--- a/gitiotbook/misc/diagrams.pptx
+++ b/gitiotbook/misc/diagrams.pptx
@@ -7,6 +7,11 @@
   <p:sldIdLst>
     <p:sldId id="256" r:id="rId2"/>
     <p:sldId id="257" r:id="rId3"/>
+    <p:sldId id="258" r:id="rId4"/>
+    <p:sldId id="259" r:id="rId5"/>
+    <p:sldId id="260" r:id="rId6"/>
+    <p:sldId id="261" r:id="rId7"/>
+    <p:sldId id="262" r:id="rId8"/>
   </p:sldIdLst>
   <p:sldSz cx="12192000" cy="6858000"/>
   <p:notesSz cx="6858000" cy="9144000"/>
@@ -105,6 +110,11 @@
       </a:defRPr>
     </a:lvl9pPr>
   </p:defaultTextStyle>
+  <p:extLst>
+    <p:ext uri="{EFAFB233-063F-42B5-8137-9DF3F51BA10A}">
+      <p15:sldGuideLst xmlns:p15="http://schemas.microsoft.com/office/powerpoint/2012/main"/>
+    </p:ext>
+  </p:extLst>
 </p:presentation>
 </file>
 
@@ -255,7 +265,7 @@
           <a:p>
             <a:fld id="{5DB48207-2388-4431-A5DE-D539F1AB7952}" type="datetimeFigureOut">
               <a:rPr lang="en-US" smtClean="0"/>
-              <a:t>3/25/2023</a:t>
+              <a:t>3/30/2023</a:t>
             </a:fld>
             <a:endParaRPr lang="en-US"/>
           </a:p>
@@ -453,7 +463,7 @@
           <a:p>
             <a:fld id="{5DB48207-2388-4431-A5DE-D539F1AB7952}" type="datetimeFigureOut">
               <a:rPr lang="en-US" smtClean="0"/>
-              <a:t>3/25/2023</a:t>
+              <a:t>3/30/2023</a:t>
             </a:fld>
             <a:endParaRPr lang="en-US"/>
           </a:p>
@@ -661,7 +671,7 @@
           <a:p>
             <a:fld id="{5DB48207-2388-4431-A5DE-D539F1AB7952}" type="datetimeFigureOut">
               <a:rPr lang="en-US" smtClean="0"/>
-              <a:t>3/25/2023</a:t>
+              <a:t>3/30/2023</a:t>
             </a:fld>
             <a:endParaRPr lang="en-US"/>
           </a:p>
@@ -859,7 +869,7 @@
           <a:p>
             <a:fld id="{5DB48207-2388-4431-A5DE-D539F1AB7952}" type="datetimeFigureOut">
               <a:rPr lang="en-US" smtClean="0"/>
-              <a:t>3/25/2023</a:t>
+              <a:t>3/30/2023</a:t>
             </a:fld>
             <a:endParaRPr lang="en-US"/>
           </a:p>
@@ -1134,7 +1144,7 @@
           <a:p>
             <a:fld id="{5DB48207-2388-4431-A5DE-D539F1AB7952}" type="datetimeFigureOut">
               <a:rPr lang="en-US" smtClean="0"/>
-              <a:t>3/25/2023</a:t>
+              <a:t>3/30/2023</a:t>
             </a:fld>
             <a:endParaRPr lang="en-US"/>
           </a:p>
@@ -1399,7 +1409,7 @@
           <a:p>
             <a:fld id="{5DB48207-2388-4431-A5DE-D539F1AB7952}" type="datetimeFigureOut">
               <a:rPr lang="en-US" smtClean="0"/>
-              <a:t>3/25/2023</a:t>
+              <a:t>3/30/2023</a:t>
             </a:fld>
             <a:endParaRPr lang="en-US"/>
           </a:p>
@@ -1811,7 +1821,7 @@
           <a:p>
             <a:fld id="{5DB48207-2388-4431-A5DE-D539F1AB7952}" type="datetimeFigureOut">
               <a:rPr lang="en-US" smtClean="0"/>
-              <a:t>3/25/2023</a:t>
+              <a:t>3/30/2023</a:t>
             </a:fld>
             <a:endParaRPr lang="en-US"/>
           </a:p>
@@ -1952,7 +1962,7 @@
           <a:p>
             <a:fld id="{5DB48207-2388-4431-A5DE-D539F1AB7952}" type="datetimeFigureOut">
               <a:rPr lang="en-US" smtClean="0"/>
-              <a:t>3/25/2023</a:t>
+              <a:t>3/30/2023</a:t>
             </a:fld>
             <a:endParaRPr lang="en-US"/>
           </a:p>
@@ -2065,7 +2075,7 @@
           <a:p>
             <a:fld id="{5DB48207-2388-4431-A5DE-D539F1AB7952}" type="datetimeFigureOut">
               <a:rPr lang="en-US" smtClean="0"/>
-              <a:t>3/25/2023</a:t>
+              <a:t>3/30/2023</a:t>
             </a:fld>
             <a:endParaRPr lang="en-US"/>
           </a:p>
@@ -2376,7 +2386,7 @@
           <a:p>
             <a:fld id="{5DB48207-2388-4431-A5DE-D539F1AB7952}" type="datetimeFigureOut">
               <a:rPr lang="en-US" smtClean="0"/>
-              <a:t>3/25/2023</a:t>
+              <a:t>3/30/2023</a:t>
             </a:fld>
             <a:endParaRPr lang="en-US"/>
           </a:p>
@@ -2664,7 +2674,7 @@
           <a:p>
             <a:fld id="{5DB48207-2388-4431-A5DE-D539F1AB7952}" type="datetimeFigureOut">
               <a:rPr lang="en-US" smtClean="0"/>
-              <a:t>3/25/2023</a:t>
+              <a:t>3/30/2023</a:t>
             </a:fld>
             <a:endParaRPr lang="en-US"/>
           </a:p>
@@ -2905,7 +2915,7 @@
           <a:p>
             <a:fld id="{5DB48207-2388-4431-A5DE-D539F1AB7952}" type="datetimeFigureOut">
               <a:rPr lang="en-US" smtClean="0"/>
-              <a:t>3/25/2023</a:t>
+              <a:t>3/30/2023</a:t>
             </a:fld>
             <a:endParaRPr lang="en-US"/>
           </a:p>
@@ -4995,6 +5005,360 @@
 </p:sld>
 </file>
 
+<file path=ppt/slides/slide3.xml><?xml version="1.0" encoding="utf-8"?>
+<p:sld xmlns:a="http://schemas.openxmlformats.org/drawingml/2006/main" xmlns:r="http://schemas.openxmlformats.org/officeDocument/2006/relationships" xmlns:p="http://schemas.openxmlformats.org/presentationml/2006/main">
+  <p:cSld>
+    <p:spTree>
+      <p:nvGrpSpPr>
+        <p:cNvPr id="1" name=""/>
+        <p:cNvGrpSpPr/>
+        <p:nvPr/>
+      </p:nvGrpSpPr>
+      <p:grpSpPr>
+        <a:xfrm>
+          <a:off x="0" y="0"/>
+          <a:ext cx="0" cy="0"/>
+          <a:chOff x="0" y="0"/>
+          <a:chExt cx="0" cy="0"/>
+        </a:xfrm>
+      </p:grpSpPr>
+      <p:pic>
+        <p:nvPicPr>
+          <p:cNvPr id="5" name="Picture 4">
+            <a:extLst>
+              <a:ext uri="{FF2B5EF4-FFF2-40B4-BE49-F238E27FC236}">
+                <a16:creationId xmlns:a16="http://schemas.microsoft.com/office/drawing/2014/main" id="{CEA9A0B5-CDA4-AACE-C4EC-814C146EA676}"/>
+              </a:ext>
+            </a:extLst>
+          </p:cNvPr>
+          <p:cNvPicPr>
+            <a:picLocks noChangeAspect="1"/>
+          </p:cNvPicPr>
+          <p:nvPr/>
+        </p:nvPicPr>
+        <p:blipFill>
+          <a:blip r:embed="rId2"/>
+          <a:stretch>
+            <a:fillRect/>
+          </a:stretch>
+        </p:blipFill>
+        <p:spPr>
+          <a:xfrm>
+            <a:off x="1422400" y="372985"/>
+            <a:ext cx="8900363" cy="6112029"/>
+          </a:xfrm>
+          <a:prstGeom prst="rect">
+            <a:avLst/>
+          </a:prstGeom>
+        </p:spPr>
+      </p:pic>
+    </p:spTree>
+    <p:extLst>
+      <p:ext uri="{BB962C8B-B14F-4D97-AF65-F5344CB8AC3E}">
+        <p14:creationId xmlns:p14="http://schemas.microsoft.com/office/powerpoint/2010/main" val="2937449338"/>
+      </p:ext>
+    </p:extLst>
+  </p:cSld>
+  <p:clrMapOvr>
+    <a:masterClrMapping/>
+  </p:clrMapOvr>
+</p:sld>
+</file>
+
+<file path=ppt/slides/slide4.xml><?xml version="1.0" encoding="utf-8"?>
+<p:sld xmlns:a="http://schemas.openxmlformats.org/drawingml/2006/main" xmlns:r="http://schemas.openxmlformats.org/officeDocument/2006/relationships" xmlns:p="http://schemas.openxmlformats.org/presentationml/2006/main">
+  <p:cSld>
+    <p:spTree>
+      <p:nvGrpSpPr>
+        <p:cNvPr id="1" name=""/>
+        <p:cNvGrpSpPr/>
+        <p:nvPr/>
+      </p:nvGrpSpPr>
+      <p:grpSpPr>
+        <a:xfrm>
+          <a:off x="0" y="0"/>
+          <a:ext cx="0" cy="0"/>
+          <a:chOff x="0" y="0"/>
+          <a:chExt cx="0" cy="0"/>
+        </a:xfrm>
+      </p:grpSpPr>
+      <p:sp>
+        <p:nvSpPr>
+          <p:cNvPr id="6" name="Rectangle 5">
+            <a:extLst>
+              <a:ext uri="{FF2B5EF4-FFF2-40B4-BE49-F238E27FC236}">
+                <a16:creationId xmlns:a16="http://schemas.microsoft.com/office/drawing/2014/main" id="{2F6B42F9-E7FE-38FB-B104-EC5455A1B1C1}"/>
+              </a:ext>
+            </a:extLst>
+          </p:cNvPr>
+          <p:cNvSpPr/>
+          <p:nvPr/>
+        </p:nvSpPr>
+        <p:spPr>
+          <a:xfrm>
+            <a:off x="3568700" y="270672"/>
+            <a:ext cx="5271192" cy="6587328"/>
+          </a:xfrm>
+          <a:prstGeom prst="rect">
+            <a:avLst/>
+          </a:prstGeom>
+          <a:solidFill>
+            <a:schemeClr val="bg1"/>
+          </a:solidFill>
+          <a:ln w="22225">
+            <a:solidFill>
+              <a:schemeClr val="tx1"/>
+            </a:solidFill>
+          </a:ln>
+        </p:spPr>
+        <p:style>
+          <a:lnRef idx="2">
+            <a:schemeClr val="accent1">
+              <a:shade val="50000"/>
+            </a:schemeClr>
+          </a:lnRef>
+          <a:fillRef idx="1">
+            <a:schemeClr val="accent1"/>
+          </a:fillRef>
+          <a:effectRef idx="0">
+            <a:schemeClr val="accent1"/>
+          </a:effectRef>
+          <a:fontRef idx="minor">
+            <a:schemeClr val="lt1"/>
+          </a:fontRef>
+        </p:style>
+        <p:txBody>
+          <a:bodyPr rtlCol="0" anchor="ctr"/>
+          <a:lstStyle/>
+          <a:p>
+            <a:pPr algn="ctr"/>
+            <a:endParaRPr lang="en-US"/>
+          </a:p>
+        </p:txBody>
+      </p:sp>
+      <p:pic>
+        <p:nvPicPr>
+          <p:cNvPr id="5" name="Picture 4">
+            <a:extLst>
+              <a:ext uri="{FF2B5EF4-FFF2-40B4-BE49-F238E27FC236}">
+                <a16:creationId xmlns:a16="http://schemas.microsoft.com/office/drawing/2014/main" id="{43B999A3-F582-423A-4773-4F437E99788F}"/>
+              </a:ext>
+            </a:extLst>
+          </p:cNvPr>
+          <p:cNvPicPr>
+            <a:picLocks noChangeAspect="1"/>
+          </p:cNvPicPr>
+          <p:nvPr/>
+        </p:nvPicPr>
+        <p:blipFill>
+          <a:blip r:embed="rId2"/>
+          <a:stretch>
+            <a:fillRect/>
+          </a:stretch>
+        </p:blipFill>
+        <p:spPr>
+          <a:xfrm>
+            <a:off x="3568700" y="270672"/>
+            <a:ext cx="5271192" cy="6587328"/>
+          </a:xfrm>
+          <a:prstGeom prst="rect">
+            <a:avLst/>
+          </a:prstGeom>
+        </p:spPr>
+      </p:pic>
+    </p:spTree>
+    <p:extLst>
+      <p:ext uri="{BB962C8B-B14F-4D97-AF65-F5344CB8AC3E}">
+        <p14:creationId xmlns:p14="http://schemas.microsoft.com/office/powerpoint/2010/main" val="1298140891"/>
+      </p:ext>
+    </p:extLst>
+  </p:cSld>
+  <p:clrMapOvr>
+    <a:masterClrMapping/>
+  </p:clrMapOvr>
+</p:sld>
+</file>
+
+<file path=ppt/slides/slide5.xml><?xml version="1.0" encoding="utf-8"?>
+<p:sld xmlns:a="http://schemas.openxmlformats.org/drawingml/2006/main" xmlns:r="http://schemas.openxmlformats.org/officeDocument/2006/relationships" xmlns:p="http://schemas.openxmlformats.org/presentationml/2006/main">
+  <p:cSld>
+    <p:spTree>
+      <p:nvGrpSpPr>
+        <p:cNvPr id="1" name=""/>
+        <p:cNvGrpSpPr/>
+        <p:nvPr/>
+      </p:nvGrpSpPr>
+      <p:grpSpPr>
+        <a:xfrm>
+          <a:off x="0" y="0"/>
+          <a:ext cx="0" cy="0"/>
+          <a:chOff x="0" y="0"/>
+          <a:chExt cx="0" cy="0"/>
+        </a:xfrm>
+      </p:grpSpPr>
+      <p:pic>
+        <p:nvPicPr>
+          <p:cNvPr id="5" name="Picture 4">
+            <a:extLst>
+              <a:ext uri="{FF2B5EF4-FFF2-40B4-BE49-F238E27FC236}">
+                <a16:creationId xmlns:a16="http://schemas.microsoft.com/office/drawing/2014/main" id="{45CA0614-7BA9-3B5D-F67B-F122B18D9CE0}"/>
+              </a:ext>
+            </a:extLst>
+          </p:cNvPr>
+          <p:cNvPicPr>
+            <a:picLocks noChangeAspect="1"/>
+          </p:cNvPicPr>
+          <p:nvPr/>
+        </p:nvPicPr>
+        <p:blipFill>
+          <a:blip r:embed="rId2"/>
+          <a:stretch>
+            <a:fillRect/>
+          </a:stretch>
+        </p:blipFill>
+        <p:spPr>
+          <a:xfrm>
+            <a:off x="1027607" y="468055"/>
+            <a:ext cx="10136786" cy="5921889"/>
+          </a:xfrm>
+          <a:prstGeom prst="rect">
+            <a:avLst/>
+          </a:prstGeom>
+        </p:spPr>
+      </p:pic>
+    </p:spTree>
+    <p:extLst>
+      <p:ext uri="{BB962C8B-B14F-4D97-AF65-F5344CB8AC3E}">
+        <p14:creationId xmlns:p14="http://schemas.microsoft.com/office/powerpoint/2010/main" val="1317245916"/>
+      </p:ext>
+    </p:extLst>
+  </p:cSld>
+  <p:clrMapOvr>
+    <a:masterClrMapping/>
+  </p:clrMapOvr>
+</p:sld>
+</file>
+
+<file path=ppt/slides/slide6.xml><?xml version="1.0" encoding="utf-8"?>
+<p:sld xmlns:a="http://schemas.openxmlformats.org/drawingml/2006/main" xmlns:r="http://schemas.openxmlformats.org/officeDocument/2006/relationships" xmlns:p="http://schemas.openxmlformats.org/presentationml/2006/main">
+  <p:cSld>
+    <p:spTree>
+      <p:nvGrpSpPr>
+        <p:cNvPr id="1" name=""/>
+        <p:cNvGrpSpPr/>
+        <p:nvPr/>
+      </p:nvGrpSpPr>
+      <p:grpSpPr>
+        <a:xfrm>
+          <a:off x="0" y="0"/>
+          <a:ext cx="0" cy="0"/>
+          <a:chOff x="0" y="0"/>
+          <a:chExt cx="0" cy="0"/>
+        </a:xfrm>
+      </p:grpSpPr>
+      <p:pic>
+        <p:nvPicPr>
+          <p:cNvPr id="5" name="Picture 4">
+            <a:extLst>
+              <a:ext uri="{FF2B5EF4-FFF2-40B4-BE49-F238E27FC236}">
+                <a16:creationId xmlns:a16="http://schemas.microsoft.com/office/drawing/2014/main" id="{85979ECF-415F-0D1A-0774-9C9B629EA939}"/>
+              </a:ext>
+            </a:extLst>
+          </p:cNvPr>
+          <p:cNvPicPr>
+            <a:picLocks noChangeAspect="1"/>
+          </p:cNvPicPr>
+          <p:nvPr/>
+        </p:nvPicPr>
+        <p:blipFill>
+          <a:blip r:embed="rId2"/>
+          <a:stretch>
+            <a:fillRect/>
+          </a:stretch>
+        </p:blipFill>
+        <p:spPr>
+          <a:xfrm>
+            <a:off x="1759291" y="312737"/>
+            <a:ext cx="8673417" cy="6037263"/>
+          </a:xfrm>
+          <a:prstGeom prst="rect">
+            <a:avLst/>
+          </a:prstGeom>
+        </p:spPr>
+      </p:pic>
+    </p:spTree>
+    <p:extLst>
+      <p:ext uri="{BB962C8B-B14F-4D97-AF65-F5344CB8AC3E}">
+        <p14:creationId xmlns:p14="http://schemas.microsoft.com/office/powerpoint/2010/main" val="1385113794"/>
+      </p:ext>
+    </p:extLst>
+  </p:cSld>
+  <p:clrMapOvr>
+    <a:masterClrMapping/>
+  </p:clrMapOvr>
+</p:sld>
+</file>
+
+<file path=ppt/slides/slide7.xml><?xml version="1.0" encoding="utf-8"?>
+<p:sld xmlns:a="http://schemas.openxmlformats.org/drawingml/2006/main" xmlns:r="http://schemas.openxmlformats.org/officeDocument/2006/relationships" xmlns:p="http://schemas.openxmlformats.org/presentationml/2006/main">
+  <p:cSld>
+    <p:spTree>
+      <p:nvGrpSpPr>
+        <p:cNvPr id="1" name=""/>
+        <p:cNvGrpSpPr/>
+        <p:nvPr/>
+      </p:nvGrpSpPr>
+      <p:grpSpPr>
+        <a:xfrm>
+          <a:off x="0" y="0"/>
+          <a:ext cx="0" cy="0"/>
+          <a:chOff x="0" y="0"/>
+          <a:chExt cx="0" cy="0"/>
+        </a:xfrm>
+      </p:grpSpPr>
+      <p:pic>
+        <p:nvPicPr>
+          <p:cNvPr id="5" name="Picture 4">
+            <a:extLst>
+              <a:ext uri="{FF2B5EF4-FFF2-40B4-BE49-F238E27FC236}">
+                <a16:creationId xmlns:a16="http://schemas.microsoft.com/office/drawing/2014/main" id="{ABC810A2-5318-0309-5069-F5D6E6EE7478}"/>
+              </a:ext>
+            </a:extLst>
+          </p:cNvPr>
+          <p:cNvPicPr>
+            <a:picLocks noChangeAspect="1"/>
+          </p:cNvPicPr>
+          <p:nvPr/>
+        </p:nvPicPr>
+        <p:blipFill>
+          <a:blip r:embed="rId2"/>
+          <a:stretch>
+            <a:fillRect/>
+          </a:stretch>
+        </p:blipFill>
+        <p:spPr>
+          <a:xfrm>
+            <a:off x="1625601" y="0"/>
+            <a:ext cx="8240712" cy="6658743"/>
+          </a:xfrm>
+          <a:prstGeom prst="rect">
+            <a:avLst/>
+          </a:prstGeom>
+        </p:spPr>
+      </p:pic>
+    </p:spTree>
+    <p:extLst>
+      <p:ext uri="{BB962C8B-B14F-4D97-AF65-F5344CB8AC3E}">
+        <p14:creationId xmlns:p14="http://schemas.microsoft.com/office/powerpoint/2010/main" val="1654836957"/>
+      </p:ext>
+    </p:extLst>
+  </p:cSld>
+  <p:clrMapOvr>
+    <a:masterClrMapping/>
+  </p:clrMapOvr>
+</p:sld>
+</file>
+
 <file path=ppt/theme/theme1.xml><?xml version="1.0" encoding="utf-8"?>
 <a:theme xmlns:a="http://schemas.openxmlformats.org/drawingml/2006/main" name="Office Theme">
   <a:themeElements>

--- a/gitiotbook/misc/diagrams.pptx
+++ b/gitiotbook/misc/diagrams.pptx
@@ -6,15 +6,18 @@
   </p:sldMasterIdLst>
   <p:sldIdLst>
     <p:sldId id="256" r:id="rId2"/>
-    <p:sldId id="257" r:id="rId3"/>
-    <p:sldId id="258" r:id="rId4"/>
-    <p:sldId id="259" r:id="rId5"/>
-    <p:sldId id="260" r:id="rId6"/>
-    <p:sldId id="261" r:id="rId7"/>
-    <p:sldId id="262" r:id="rId8"/>
+    <p:sldId id="263" r:id="rId3"/>
+    <p:sldId id="257" r:id="rId4"/>
+    <p:sldId id="258" r:id="rId5"/>
+    <p:sldId id="259" r:id="rId6"/>
+    <p:sldId id="260" r:id="rId7"/>
+    <p:sldId id="261" r:id="rId8"/>
+    <p:sldId id="262" r:id="rId9"/>
+    <p:sldId id="264" r:id="rId10"/>
+    <p:sldId id="265" r:id="rId11"/>
   </p:sldIdLst>
   <p:sldSz cx="12192000" cy="6858000"/>
-  <p:notesSz cx="6858000" cy="9144000"/>
+  <p:notesSz cx="6858000" cy="8891588"/>
   <p:defaultTextStyle>
     <a:defPPr>
       <a:defRPr lang="en-US"/>
@@ -265,7 +268,7 @@
           <a:p>
             <a:fld id="{5DB48207-2388-4431-A5DE-D539F1AB7952}" type="datetimeFigureOut">
               <a:rPr lang="en-US" smtClean="0"/>
-              <a:t>3/30/2023</a:t>
+              <a:t>4/1/2023</a:t>
             </a:fld>
             <a:endParaRPr lang="en-US"/>
           </a:p>
@@ -463,7 +466,7 @@
           <a:p>
             <a:fld id="{5DB48207-2388-4431-A5DE-D539F1AB7952}" type="datetimeFigureOut">
               <a:rPr lang="en-US" smtClean="0"/>
-              <a:t>3/30/2023</a:t>
+              <a:t>4/1/2023</a:t>
             </a:fld>
             <a:endParaRPr lang="en-US"/>
           </a:p>
@@ -671,7 +674,7 @@
           <a:p>
             <a:fld id="{5DB48207-2388-4431-A5DE-D539F1AB7952}" type="datetimeFigureOut">
               <a:rPr lang="en-US" smtClean="0"/>
-              <a:t>3/30/2023</a:t>
+              <a:t>4/1/2023</a:t>
             </a:fld>
             <a:endParaRPr lang="en-US"/>
           </a:p>
@@ -869,7 +872,7 @@
           <a:p>
             <a:fld id="{5DB48207-2388-4431-A5DE-D539F1AB7952}" type="datetimeFigureOut">
               <a:rPr lang="en-US" smtClean="0"/>
-              <a:t>3/30/2023</a:t>
+              <a:t>4/1/2023</a:t>
             </a:fld>
             <a:endParaRPr lang="en-US"/>
           </a:p>
@@ -1144,7 +1147,7 @@
           <a:p>
             <a:fld id="{5DB48207-2388-4431-A5DE-D539F1AB7952}" type="datetimeFigureOut">
               <a:rPr lang="en-US" smtClean="0"/>
-              <a:t>3/30/2023</a:t>
+              <a:t>4/1/2023</a:t>
             </a:fld>
             <a:endParaRPr lang="en-US"/>
           </a:p>
@@ -1409,7 +1412,7 @@
           <a:p>
             <a:fld id="{5DB48207-2388-4431-A5DE-D539F1AB7952}" type="datetimeFigureOut">
               <a:rPr lang="en-US" smtClean="0"/>
-              <a:t>3/30/2023</a:t>
+              <a:t>4/1/2023</a:t>
             </a:fld>
             <a:endParaRPr lang="en-US"/>
           </a:p>
@@ -1821,7 +1824,7 @@
           <a:p>
             <a:fld id="{5DB48207-2388-4431-A5DE-D539F1AB7952}" type="datetimeFigureOut">
               <a:rPr lang="en-US" smtClean="0"/>
-              <a:t>3/30/2023</a:t>
+              <a:t>4/1/2023</a:t>
             </a:fld>
             <a:endParaRPr lang="en-US"/>
           </a:p>
@@ -1962,7 +1965,7 @@
           <a:p>
             <a:fld id="{5DB48207-2388-4431-A5DE-D539F1AB7952}" type="datetimeFigureOut">
               <a:rPr lang="en-US" smtClean="0"/>
-              <a:t>3/30/2023</a:t>
+              <a:t>4/1/2023</a:t>
             </a:fld>
             <a:endParaRPr lang="en-US"/>
           </a:p>
@@ -2075,7 +2078,7 @@
           <a:p>
             <a:fld id="{5DB48207-2388-4431-A5DE-D539F1AB7952}" type="datetimeFigureOut">
               <a:rPr lang="en-US" smtClean="0"/>
-              <a:t>3/30/2023</a:t>
+              <a:t>4/1/2023</a:t>
             </a:fld>
             <a:endParaRPr lang="en-US"/>
           </a:p>
@@ -2386,7 +2389,7 @@
           <a:p>
             <a:fld id="{5DB48207-2388-4431-A5DE-D539F1AB7952}" type="datetimeFigureOut">
               <a:rPr lang="en-US" smtClean="0"/>
-              <a:t>3/30/2023</a:t>
+              <a:t>4/1/2023</a:t>
             </a:fld>
             <a:endParaRPr lang="en-US"/>
           </a:p>
@@ -2674,7 +2677,7 @@
           <a:p>
             <a:fld id="{5DB48207-2388-4431-A5DE-D539F1AB7952}" type="datetimeFigureOut">
               <a:rPr lang="en-US" smtClean="0"/>
-              <a:t>3/30/2023</a:t>
+              <a:t>4/1/2023</a:t>
             </a:fld>
             <a:endParaRPr lang="en-US"/>
           </a:p>
@@ -2915,7 +2918,7 @@
           <a:p>
             <a:fld id="{5DB48207-2388-4431-A5DE-D539F1AB7952}" type="datetimeFigureOut">
               <a:rPr lang="en-US" smtClean="0"/>
-              <a:t>3/30/2023</a:t>
+              <a:t>4/1/2023</a:t>
             </a:fld>
             <a:endParaRPr lang="en-US"/>
           </a:p>
@@ -3947,6 +3950,66 @@
 </p:sld>
 </file>
 
+<file path=ppt/slides/slide10.xml><?xml version="1.0" encoding="utf-8"?>
+<p:sld xmlns:a="http://schemas.openxmlformats.org/drawingml/2006/main" xmlns:r="http://schemas.openxmlformats.org/officeDocument/2006/relationships" xmlns:p="http://schemas.openxmlformats.org/presentationml/2006/main">
+  <p:cSld>
+    <p:spTree>
+      <p:nvGrpSpPr>
+        <p:cNvPr id="1" name=""/>
+        <p:cNvGrpSpPr/>
+        <p:nvPr/>
+      </p:nvGrpSpPr>
+      <p:grpSpPr>
+        <a:xfrm>
+          <a:off x="0" y="0"/>
+          <a:ext cx="0" cy="0"/>
+          <a:chOff x="0" y="0"/>
+          <a:chExt cx="0" cy="0"/>
+        </a:xfrm>
+      </p:grpSpPr>
+      <p:pic>
+        <p:nvPicPr>
+          <p:cNvPr id="5" name="Picture 4">
+            <a:extLst>
+              <a:ext uri="{FF2B5EF4-FFF2-40B4-BE49-F238E27FC236}">
+                <a16:creationId xmlns:a16="http://schemas.microsoft.com/office/drawing/2014/main" id="{A4D3BF78-B7D4-0851-A411-310D763264DD}"/>
+              </a:ext>
+            </a:extLst>
+          </p:cNvPr>
+          <p:cNvPicPr>
+            <a:picLocks noChangeAspect="1"/>
+          </p:cNvPicPr>
+          <p:nvPr/>
+        </p:nvPicPr>
+        <p:blipFill>
+          <a:blip r:embed="rId2"/>
+          <a:stretch>
+            <a:fillRect/>
+          </a:stretch>
+        </p:blipFill>
+        <p:spPr>
+          <a:xfrm>
+            <a:off x="3038475" y="2114550"/>
+            <a:ext cx="6115050" cy="2628900"/>
+          </a:xfrm>
+          <a:prstGeom prst="rect">
+            <a:avLst/>
+          </a:prstGeom>
+        </p:spPr>
+      </p:pic>
+    </p:spTree>
+    <p:extLst>
+      <p:ext uri="{BB962C8B-B14F-4D97-AF65-F5344CB8AC3E}">
+        <p14:creationId xmlns:p14="http://schemas.microsoft.com/office/powerpoint/2010/main" val="262346647"/>
+      </p:ext>
+    </p:extLst>
+  </p:cSld>
+  <p:clrMapOvr>
+    <a:masterClrMapping/>
+  </p:clrMapOvr>
+</p:sld>
+</file>
+
 <file path=ppt/slides/slide2.xml><?xml version="1.0" encoding="utf-8"?>
 <p:sld xmlns:a="http://schemas.openxmlformats.org/drawingml/2006/main" xmlns:r="http://schemas.openxmlformats.org/officeDocument/2006/relationships" xmlns:p="http://schemas.openxmlformats.org/presentationml/2006/main">
   <p:cSld>
@@ -3966,10 +4029,60 @@
       </p:grpSpPr>
       <p:sp>
         <p:nvSpPr>
-          <p:cNvPr id="33" name="Oval 32">
-            <a:extLst>
-              <a:ext uri="{FF2B5EF4-FFF2-40B4-BE49-F238E27FC236}">
-                <a16:creationId xmlns:a16="http://schemas.microsoft.com/office/drawing/2014/main" id="{9307AC02-5888-1E55-5B2F-45686AA8DB36}"/>
+          <p:cNvPr id="2" name="Title 1">
+            <a:extLst>
+              <a:ext uri="{FF2B5EF4-FFF2-40B4-BE49-F238E27FC236}">
+                <a16:creationId xmlns:a16="http://schemas.microsoft.com/office/drawing/2014/main" id="{AF088526-2A83-47A4-DE94-2DB62EA608C7}"/>
+              </a:ext>
+            </a:extLst>
+          </p:cNvPr>
+          <p:cNvSpPr>
+            <a:spLocks noGrp="1"/>
+          </p:cNvSpPr>
+          <p:nvPr>
+            <p:ph type="title"/>
+          </p:nvPr>
+        </p:nvSpPr>
+        <p:spPr/>
+        <p:txBody>
+          <a:bodyPr/>
+          <a:lstStyle/>
+          <a:p>
+            <a:endParaRPr lang="en-US"/>
+          </a:p>
+        </p:txBody>
+      </p:sp>
+      <p:sp>
+        <p:nvSpPr>
+          <p:cNvPr id="3" name="Content Placeholder 2">
+            <a:extLst>
+              <a:ext uri="{FF2B5EF4-FFF2-40B4-BE49-F238E27FC236}">
+                <a16:creationId xmlns:a16="http://schemas.microsoft.com/office/drawing/2014/main" id="{559E76CB-4ABF-543D-B0D4-1E489F23EE09}"/>
+              </a:ext>
+            </a:extLst>
+          </p:cNvPr>
+          <p:cNvSpPr>
+            <a:spLocks noGrp="1"/>
+          </p:cNvSpPr>
+          <p:nvPr>
+            <p:ph idx="1"/>
+          </p:nvPr>
+        </p:nvSpPr>
+        <p:spPr/>
+        <p:txBody>
+          <a:bodyPr/>
+          <a:lstStyle/>
+          <a:p>
+            <a:endParaRPr lang="en-US"/>
+          </a:p>
+        </p:txBody>
+      </p:sp>
+      <p:sp>
+        <p:nvSpPr>
+          <p:cNvPr id="4" name="Rectangle 3">
+            <a:extLst>
+              <a:ext uri="{FF2B5EF4-FFF2-40B4-BE49-F238E27FC236}">
+                <a16:creationId xmlns:a16="http://schemas.microsoft.com/office/drawing/2014/main" id="{42414CEC-F209-EDE0-3E2A-EED96E05A6F5}"/>
               </a:ext>
             </a:extLst>
           </p:cNvPr>
@@ -3978,954 +4091,8 @@
         </p:nvSpPr>
         <p:spPr>
           <a:xfrm>
-            <a:off x="6950057" y="1208481"/>
-            <a:ext cx="3171825" cy="3762375"/>
-          </a:xfrm>
-          <a:prstGeom prst="ellipse">
-            <a:avLst/>
-          </a:prstGeom>
-          <a:solidFill>
-            <a:schemeClr val="bg1"/>
-          </a:solidFill>
-          <a:ln w="28575">
-            <a:solidFill>
-              <a:schemeClr val="tx1"/>
-            </a:solidFill>
-          </a:ln>
-        </p:spPr>
-        <p:style>
-          <a:lnRef idx="2">
-            <a:schemeClr val="accent1">
-              <a:shade val="50000"/>
-            </a:schemeClr>
-          </a:lnRef>
-          <a:fillRef idx="1">
-            <a:schemeClr val="accent1"/>
-          </a:fillRef>
-          <a:effectRef idx="0">
-            <a:schemeClr val="accent1"/>
-          </a:effectRef>
-          <a:fontRef idx="minor">
-            <a:schemeClr val="lt1"/>
-          </a:fontRef>
-        </p:style>
-        <p:txBody>
-          <a:bodyPr rtlCol="0" anchor="ctr"/>
-          <a:lstStyle/>
-          <a:p>
-            <a:pPr algn="ctr"/>
-            <a:endParaRPr lang="en-US"/>
-          </a:p>
-        </p:txBody>
-      </p:sp>
-      <p:sp>
-        <p:nvSpPr>
-          <p:cNvPr id="32" name="Oval 31">
-            <a:extLst>
-              <a:ext uri="{FF2B5EF4-FFF2-40B4-BE49-F238E27FC236}">
-                <a16:creationId xmlns:a16="http://schemas.microsoft.com/office/drawing/2014/main" id="{31512ECF-4CDA-ACB6-14F3-0AB41654A9A7}"/>
-              </a:ext>
-            </a:extLst>
-          </p:cNvPr>
-          <p:cNvSpPr/>
-          <p:nvPr/>
-        </p:nvSpPr>
-        <p:spPr>
-          <a:xfrm>
-            <a:off x="6635077" y="1378146"/>
-            <a:ext cx="3171825" cy="3762375"/>
-          </a:xfrm>
-          <a:prstGeom prst="ellipse">
-            <a:avLst/>
-          </a:prstGeom>
-          <a:solidFill>
-            <a:schemeClr val="bg1"/>
-          </a:solidFill>
-          <a:ln w="28575">
-            <a:solidFill>
-              <a:schemeClr val="tx1"/>
-            </a:solidFill>
-          </a:ln>
-        </p:spPr>
-        <p:style>
-          <a:lnRef idx="2">
-            <a:schemeClr val="accent1">
-              <a:shade val="50000"/>
-            </a:schemeClr>
-          </a:lnRef>
-          <a:fillRef idx="1">
-            <a:schemeClr val="accent1"/>
-          </a:fillRef>
-          <a:effectRef idx="0">
-            <a:schemeClr val="accent1"/>
-          </a:effectRef>
-          <a:fontRef idx="minor">
-            <a:schemeClr val="lt1"/>
-          </a:fontRef>
-        </p:style>
-        <p:txBody>
-          <a:bodyPr rtlCol="0" anchor="ctr"/>
-          <a:lstStyle/>
-          <a:p>
-            <a:pPr algn="ctr"/>
-            <a:endParaRPr lang="en-US"/>
-          </a:p>
-        </p:txBody>
-      </p:sp>
-      <p:sp>
-        <p:nvSpPr>
-          <p:cNvPr id="30" name="Oval 29">
-            <a:extLst>
-              <a:ext uri="{FF2B5EF4-FFF2-40B4-BE49-F238E27FC236}">
-                <a16:creationId xmlns:a16="http://schemas.microsoft.com/office/drawing/2014/main" id="{6BC5802C-093A-22DB-5281-D4763DC9934A}"/>
-              </a:ext>
-            </a:extLst>
-          </p:cNvPr>
-          <p:cNvSpPr/>
-          <p:nvPr/>
-        </p:nvSpPr>
-        <p:spPr>
-          <a:xfrm>
-            <a:off x="6320098" y="1547812"/>
-            <a:ext cx="3171825" cy="3762375"/>
-          </a:xfrm>
-          <a:prstGeom prst="ellipse">
-            <a:avLst/>
-          </a:prstGeom>
-          <a:solidFill>
-            <a:schemeClr val="bg1"/>
-          </a:solidFill>
-          <a:ln w="28575">
-            <a:solidFill>
-              <a:schemeClr val="tx1"/>
-            </a:solidFill>
-          </a:ln>
-        </p:spPr>
-        <p:style>
-          <a:lnRef idx="2">
-            <a:schemeClr val="accent1">
-              <a:shade val="50000"/>
-            </a:schemeClr>
-          </a:lnRef>
-          <a:fillRef idx="1">
-            <a:schemeClr val="accent1"/>
-          </a:fillRef>
-          <a:effectRef idx="0">
-            <a:schemeClr val="accent1"/>
-          </a:effectRef>
-          <a:fontRef idx="minor">
-            <a:schemeClr val="lt1"/>
-          </a:fontRef>
-        </p:style>
-        <p:txBody>
-          <a:bodyPr rtlCol="0" anchor="ctr"/>
-          <a:lstStyle/>
-          <a:p>
-            <a:pPr algn="ctr"/>
-            <a:endParaRPr lang="en-US"/>
-          </a:p>
-        </p:txBody>
-      </p:sp>
-      <p:pic>
-        <p:nvPicPr>
-          <p:cNvPr id="18" name="Graphic 17" descr="Document outline">
-            <a:extLst>
-              <a:ext uri="{FF2B5EF4-FFF2-40B4-BE49-F238E27FC236}">
-                <a16:creationId xmlns:a16="http://schemas.microsoft.com/office/drawing/2014/main" id="{E9675CF2-DFA0-05A7-5BC8-CBB88D241EDA}"/>
-              </a:ext>
-            </a:extLst>
-          </p:cNvPr>
-          <p:cNvPicPr>
-            <a:picLocks noChangeAspect="1"/>
-          </p:cNvPicPr>
-          <p:nvPr/>
-        </p:nvPicPr>
-        <p:blipFill>
-          <a:blip r:embed="rId2">
-            <a:extLst>
-              <a:ext uri="{28A0092B-C50C-407E-A947-70E740481C1C}">
-                <a14:useLocalDpi xmlns:a14="http://schemas.microsoft.com/office/drawing/2010/main" val="0"/>
-              </a:ext>
-              <a:ext uri="{96DAC541-7B7A-43D3-8B79-37D633B846F1}">
-                <asvg:svgBlip xmlns:asvg="http://schemas.microsoft.com/office/drawing/2016/SVG/main" r:embed="rId3"/>
-              </a:ext>
-            </a:extLst>
-          </a:blip>
-          <a:stretch>
-            <a:fillRect/>
-          </a:stretch>
-        </p:blipFill>
-        <p:spPr>
-          <a:xfrm rot="20710149">
-            <a:off x="2950167" y="2128046"/>
-            <a:ext cx="1483644" cy="1736824"/>
-          </a:xfrm>
-          <a:prstGeom prst="rect">
-            <a:avLst/>
-          </a:prstGeom>
-        </p:spPr>
-      </p:pic>
-      <p:pic>
-        <p:nvPicPr>
-          <p:cNvPr id="2" name="Graphic 1" descr="Document outline">
-            <a:extLst>
-              <a:ext uri="{FF2B5EF4-FFF2-40B4-BE49-F238E27FC236}">
-                <a16:creationId xmlns:a16="http://schemas.microsoft.com/office/drawing/2014/main" id="{C8B00097-4DAA-6757-159C-8BCFB64CD6E9}"/>
-              </a:ext>
-            </a:extLst>
-          </p:cNvPr>
-          <p:cNvPicPr>
-            <a:picLocks noChangeAspect="1"/>
-          </p:cNvPicPr>
-          <p:nvPr/>
-        </p:nvPicPr>
-        <p:blipFill>
-          <a:blip r:embed="rId2">
-            <a:extLst>
-              <a:ext uri="{28A0092B-C50C-407E-A947-70E740481C1C}">
-                <a14:useLocalDpi xmlns:a14="http://schemas.microsoft.com/office/drawing/2010/main" val="0"/>
-              </a:ext>
-              <a:ext uri="{96DAC541-7B7A-43D3-8B79-37D633B846F1}">
-                <asvg:svgBlip xmlns:asvg="http://schemas.microsoft.com/office/drawing/2016/SVG/main" r:embed="rId3"/>
-              </a:ext>
-            </a:extLst>
-          </a:blip>
-          <a:stretch>
-            <a:fillRect/>
-          </a:stretch>
-        </p:blipFill>
-        <p:spPr>
-          <a:xfrm rot="20710149">
-            <a:off x="2760863" y="4006945"/>
-            <a:ext cx="567405" cy="664231"/>
-          </a:xfrm>
-          <a:prstGeom prst="rect">
-            <a:avLst/>
-          </a:prstGeom>
-        </p:spPr>
-      </p:pic>
-      <p:pic>
-        <p:nvPicPr>
-          <p:cNvPr id="3" name="Graphic 2" descr="Document outline">
-            <a:extLst>
-              <a:ext uri="{FF2B5EF4-FFF2-40B4-BE49-F238E27FC236}">
-                <a16:creationId xmlns:a16="http://schemas.microsoft.com/office/drawing/2014/main" id="{539AA045-118F-54DE-6428-A1F403FF5F1C}"/>
-              </a:ext>
-            </a:extLst>
-          </p:cNvPr>
-          <p:cNvPicPr>
-            <a:picLocks noChangeAspect="1"/>
-          </p:cNvPicPr>
-          <p:nvPr/>
-        </p:nvPicPr>
-        <p:blipFill>
-          <a:blip r:embed="rId2">
-            <a:extLst>
-              <a:ext uri="{28A0092B-C50C-407E-A947-70E740481C1C}">
-                <a14:useLocalDpi xmlns:a14="http://schemas.microsoft.com/office/drawing/2010/main" val="0"/>
-              </a:ext>
-              <a:ext uri="{96DAC541-7B7A-43D3-8B79-37D633B846F1}">
-                <asvg:svgBlip xmlns:asvg="http://schemas.microsoft.com/office/drawing/2016/SVG/main" r:embed="rId3"/>
-              </a:ext>
-            </a:extLst>
-          </a:blip>
-          <a:stretch>
-            <a:fillRect/>
-          </a:stretch>
-        </p:blipFill>
-        <p:spPr>
-          <a:xfrm rot="20710149">
-            <a:off x="3337182" y="3961834"/>
-            <a:ext cx="567405" cy="664231"/>
-          </a:xfrm>
-          <a:prstGeom prst="rect">
-            <a:avLst/>
-          </a:prstGeom>
-        </p:spPr>
-      </p:pic>
-      <p:pic>
-        <p:nvPicPr>
-          <p:cNvPr id="4" name="Graphic 3" descr="Document outline">
-            <a:extLst>
-              <a:ext uri="{FF2B5EF4-FFF2-40B4-BE49-F238E27FC236}">
-                <a16:creationId xmlns:a16="http://schemas.microsoft.com/office/drawing/2014/main" id="{B3F50159-9BE5-68F2-5828-97AC88432B45}"/>
-              </a:ext>
-            </a:extLst>
-          </p:cNvPr>
-          <p:cNvPicPr>
-            <a:picLocks noChangeAspect="1"/>
-          </p:cNvPicPr>
-          <p:nvPr/>
-        </p:nvPicPr>
-        <p:blipFill>
-          <a:blip r:embed="rId2">
-            <a:extLst>
-              <a:ext uri="{28A0092B-C50C-407E-A947-70E740481C1C}">
-                <a14:useLocalDpi xmlns:a14="http://schemas.microsoft.com/office/drawing/2010/main" val="0"/>
-              </a:ext>
-              <a:ext uri="{96DAC541-7B7A-43D3-8B79-37D633B846F1}">
-                <asvg:svgBlip xmlns:asvg="http://schemas.microsoft.com/office/drawing/2016/SVG/main" r:embed="rId3"/>
-              </a:ext>
-            </a:extLst>
-          </a:blip>
-          <a:stretch>
-            <a:fillRect/>
-          </a:stretch>
-        </p:blipFill>
-        <p:spPr>
-          <a:xfrm rot="20710149">
-            <a:off x="3877957" y="3952308"/>
-            <a:ext cx="567405" cy="664231"/>
-          </a:xfrm>
-          <a:prstGeom prst="rect">
-            <a:avLst/>
-          </a:prstGeom>
-        </p:spPr>
-      </p:pic>
-      <p:pic>
-        <p:nvPicPr>
-          <p:cNvPr id="6" name="Graphic 5" descr="Document outline">
-            <a:extLst>
-              <a:ext uri="{FF2B5EF4-FFF2-40B4-BE49-F238E27FC236}">
-                <a16:creationId xmlns:a16="http://schemas.microsoft.com/office/drawing/2014/main" id="{A8F22FFE-27E4-B07B-5E23-E774E2CBA06B}"/>
-              </a:ext>
-            </a:extLst>
-          </p:cNvPr>
-          <p:cNvPicPr>
-            <a:picLocks noChangeAspect="1"/>
-          </p:cNvPicPr>
-          <p:nvPr/>
-        </p:nvPicPr>
-        <p:blipFill>
-          <a:blip r:embed="rId2">
-            <a:extLst>
-              <a:ext uri="{28A0092B-C50C-407E-A947-70E740481C1C}">
-                <a14:useLocalDpi xmlns:a14="http://schemas.microsoft.com/office/drawing/2010/main" val="0"/>
-              </a:ext>
-              <a:ext uri="{96DAC541-7B7A-43D3-8B79-37D633B846F1}">
-                <asvg:svgBlip xmlns:asvg="http://schemas.microsoft.com/office/drawing/2016/SVG/main" r:embed="rId3"/>
-              </a:ext>
-            </a:extLst>
-          </a:blip>
-          <a:stretch>
-            <a:fillRect/>
-          </a:stretch>
-        </p:blipFill>
-        <p:spPr>
-          <a:xfrm rot="20710149">
-            <a:off x="4418732" y="3952307"/>
-            <a:ext cx="567405" cy="664231"/>
-          </a:xfrm>
-          <a:prstGeom prst="rect">
-            <a:avLst/>
-          </a:prstGeom>
-        </p:spPr>
-      </p:pic>
-      <p:cxnSp>
-        <p:nvCxnSpPr>
-          <p:cNvPr id="10" name="Straight Connector 9">
-            <a:extLst>
-              <a:ext uri="{FF2B5EF4-FFF2-40B4-BE49-F238E27FC236}">
-                <a16:creationId xmlns:a16="http://schemas.microsoft.com/office/drawing/2014/main" id="{D0DDED4B-1D21-E131-8E75-9EEBC97EA80C}"/>
-              </a:ext>
-            </a:extLst>
-          </p:cNvPr>
-          <p:cNvCxnSpPr/>
-          <p:nvPr/>
-        </p:nvCxnSpPr>
-        <p:spPr>
-          <a:xfrm flipH="1">
-            <a:off x="3261622" y="3890752"/>
-            <a:ext cx="142206" cy="135069"/>
-          </a:xfrm>
-          <a:prstGeom prst="line">
-            <a:avLst/>
-          </a:prstGeom>
-          <a:ln w="22225">
-            <a:solidFill>
-              <a:schemeClr val="tx1"/>
-            </a:solidFill>
-          </a:ln>
-        </p:spPr>
-        <p:style>
-          <a:lnRef idx="1">
-            <a:schemeClr val="accent1"/>
-          </a:lnRef>
-          <a:fillRef idx="0">
-            <a:schemeClr val="accent1"/>
-          </a:fillRef>
-          <a:effectRef idx="0">
-            <a:schemeClr val="accent1"/>
-          </a:effectRef>
-          <a:fontRef idx="minor">
-            <a:schemeClr val="tx1"/>
-          </a:fontRef>
-        </p:style>
-      </p:cxnSp>
-      <p:cxnSp>
-        <p:nvCxnSpPr>
-          <p:cNvPr id="11" name="Straight Connector 10">
-            <a:extLst>
-              <a:ext uri="{FF2B5EF4-FFF2-40B4-BE49-F238E27FC236}">
-                <a16:creationId xmlns:a16="http://schemas.microsoft.com/office/drawing/2014/main" id="{43725F26-28DB-B172-03D5-638B320D4FBA}"/>
-              </a:ext>
-            </a:extLst>
-          </p:cNvPr>
-          <p:cNvCxnSpPr>
-            <a:cxnSpLocks/>
-          </p:cNvCxnSpPr>
-          <p:nvPr/>
-        </p:nvCxnSpPr>
-        <p:spPr>
-          <a:xfrm flipH="1">
-            <a:off x="3603112" y="3827981"/>
-            <a:ext cx="88825" cy="152861"/>
-          </a:xfrm>
-          <a:prstGeom prst="line">
-            <a:avLst/>
-          </a:prstGeom>
-          <a:ln w="22225">
-            <a:solidFill>
-              <a:schemeClr val="tx1"/>
-            </a:solidFill>
-          </a:ln>
-        </p:spPr>
-        <p:style>
-          <a:lnRef idx="1">
-            <a:schemeClr val="accent1"/>
-          </a:lnRef>
-          <a:fillRef idx="0">
-            <a:schemeClr val="accent1"/>
-          </a:fillRef>
-          <a:effectRef idx="0">
-            <a:schemeClr val="accent1"/>
-          </a:effectRef>
-          <a:fontRef idx="minor">
-            <a:schemeClr val="tx1"/>
-          </a:fontRef>
-        </p:style>
-      </p:cxnSp>
-      <p:cxnSp>
-        <p:nvCxnSpPr>
-          <p:cNvPr id="14" name="Straight Connector 13">
-            <a:extLst>
-              <a:ext uri="{FF2B5EF4-FFF2-40B4-BE49-F238E27FC236}">
-                <a16:creationId xmlns:a16="http://schemas.microsoft.com/office/drawing/2014/main" id="{9ECCF62C-2AAB-D861-FBCC-CCBD76A23871}"/>
-              </a:ext>
-            </a:extLst>
-          </p:cNvPr>
-          <p:cNvCxnSpPr>
-            <a:cxnSpLocks/>
-            <a:endCxn id="4" idx="0"/>
-          </p:cNvCxnSpPr>
-          <p:nvPr/>
-        </p:nvCxnSpPr>
-        <p:spPr>
-          <a:xfrm>
-            <a:off x="4017554" y="3769211"/>
-            <a:ext cx="59096" cy="194161"/>
-          </a:xfrm>
-          <a:prstGeom prst="line">
-            <a:avLst/>
-          </a:prstGeom>
-          <a:ln w="22225">
-            <a:solidFill>
-              <a:schemeClr val="tx1"/>
-            </a:solidFill>
-          </a:ln>
-        </p:spPr>
-        <p:style>
-          <a:lnRef idx="1">
-            <a:schemeClr val="accent1"/>
-          </a:lnRef>
-          <a:fillRef idx="0">
-            <a:schemeClr val="accent1"/>
-          </a:fillRef>
-          <a:effectRef idx="0">
-            <a:schemeClr val="accent1"/>
-          </a:effectRef>
-          <a:fontRef idx="minor">
-            <a:schemeClr val="tx1"/>
-          </a:fontRef>
-        </p:style>
-      </p:cxnSp>
-      <p:cxnSp>
-        <p:nvCxnSpPr>
-          <p:cNvPr id="17" name="Straight Connector 16">
-            <a:extLst>
-              <a:ext uri="{FF2B5EF4-FFF2-40B4-BE49-F238E27FC236}">
-                <a16:creationId xmlns:a16="http://schemas.microsoft.com/office/drawing/2014/main" id="{BF862D4D-F579-1AED-6FF0-592774B1E8A8}"/>
-              </a:ext>
-            </a:extLst>
-          </p:cNvPr>
-          <p:cNvCxnSpPr>
-            <a:cxnSpLocks/>
-          </p:cNvCxnSpPr>
-          <p:nvPr/>
-        </p:nvCxnSpPr>
-        <p:spPr>
-          <a:xfrm>
-            <a:off x="4301874" y="3706118"/>
-            <a:ext cx="173345" cy="222623"/>
-          </a:xfrm>
-          <a:prstGeom prst="line">
-            <a:avLst/>
-          </a:prstGeom>
-          <a:ln w="22225">
-            <a:solidFill>
-              <a:schemeClr val="tx1"/>
-            </a:solidFill>
-          </a:ln>
-        </p:spPr>
-        <p:style>
-          <a:lnRef idx="1">
-            <a:schemeClr val="accent1"/>
-          </a:lnRef>
-          <a:fillRef idx="0">
-            <a:schemeClr val="accent1"/>
-          </a:fillRef>
-          <a:effectRef idx="0">
-            <a:schemeClr val="accent1"/>
-          </a:effectRef>
-          <a:fontRef idx="minor">
-            <a:schemeClr val="tx1"/>
-          </a:fontRef>
-        </p:style>
-      </p:cxnSp>
-      <p:sp>
-        <p:nvSpPr>
-          <p:cNvPr id="20" name="Oval 19">
-            <a:extLst>
-              <a:ext uri="{FF2B5EF4-FFF2-40B4-BE49-F238E27FC236}">
-                <a16:creationId xmlns:a16="http://schemas.microsoft.com/office/drawing/2014/main" id="{155560CF-DC23-907F-2CFB-AA03DB7AB73F}"/>
-              </a:ext>
-            </a:extLst>
-          </p:cNvPr>
-          <p:cNvSpPr/>
-          <p:nvPr/>
-        </p:nvSpPr>
-        <p:spPr>
-          <a:xfrm>
-            <a:off x="2305050" y="1547812"/>
-            <a:ext cx="3171825" cy="3762375"/>
-          </a:xfrm>
-          <a:prstGeom prst="ellipse">
-            <a:avLst/>
-          </a:prstGeom>
-          <a:noFill/>
-          <a:ln w="28575">
-            <a:solidFill>
-              <a:schemeClr val="tx1"/>
-            </a:solidFill>
-          </a:ln>
-        </p:spPr>
-        <p:style>
-          <a:lnRef idx="2">
-            <a:schemeClr val="accent1">
-              <a:shade val="50000"/>
-            </a:schemeClr>
-          </a:lnRef>
-          <a:fillRef idx="1">
-            <a:schemeClr val="accent1"/>
-          </a:fillRef>
-          <a:effectRef idx="0">
-            <a:schemeClr val="accent1"/>
-          </a:effectRef>
-          <a:fontRef idx="minor">
-            <a:schemeClr val="lt1"/>
-          </a:fontRef>
-        </p:style>
-        <p:txBody>
-          <a:bodyPr rtlCol="0" anchor="ctr"/>
-          <a:lstStyle/>
-          <a:p>
-            <a:pPr algn="ctr"/>
-            <a:endParaRPr lang="en-US"/>
-          </a:p>
-        </p:txBody>
-      </p:sp>
-      <p:pic>
-        <p:nvPicPr>
-          <p:cNvPr id="21" name="Graphic 20" descr="Document outline">
-            <a:extLst>
-              <a:ext uri="{FF2B5EF4-FFF2-40B4-BE49-F238E27FC236}">
-                <a16:creationId xmlns:a16="http://schemas.microsoft.com/office/drawing/2014/main" id="{23B0BF19-3A99-0307-EB0B-96948EACB51F}"/>
-              </a:ext>
-            </a:extLst>
-          </p:cNvPr>
-          <p:cNvPicPr>
-            <a:picLocks noChangeAspect="1"/>
-          </p:cNvPicPr>
-          <p:nvPr/>
-        </p:nvPicPr>
-        <p:blipFill>
-          <a:blip r:embed="rId2">
-            <a:extLst>
-              <a:ext uri="{28A0092B-C50C-407E-A947-70E740481C1C}">
-                <a14:useLocalDpi xmlns:a14="http://schemas.microsoft.com/office/drawing/2010/main" val="0"/>
-              </a:ext>
-              <a:ext uri="{96DAC541-7B7A-43D3-8B79-37D633B846F1}">
-                <asvg:svgBlip xmlns:asvg="http://schemas.microsoft.com/office/drawing/2016/SVG/main" r:embed="rId3"/>
-              </a:ext>
-            </a:extLst>
-          </a:blip>
-          <a:stretch>
-            <a:fillRect/>
-          </a:stretch>
-        </p:blipFill>
-        <p:spPr>
-          <a:xfrm rot="20710149">
-            <a:off x="6965215" y="2128046"/>
-            <a:ext cx="1483644" cy="1736824"/>
-          </a:xfrm>
-          <a:prstGeom prst="rect">
-            <a:avLst/>
-          </a:prstGeom>
-        </p:spPr>
-      </p:pic>
-      <p:pic>
-        <p:nvPicPr>
-          <p:cNvPr id="22" name="Graphic 21" descr="Document outline">
-            <a:extLst>
-              <a:ext uri="{FF2B5EF4-FFF2-40B4-BE49-F238E27FC236}">
-                <a16:creationId xmlns:a16="http://schemas.microsoft.com/office/drawing/2014/main" id="{70F10116-E800-D914-0F11-87DE728DCEF1}"/>
-              </a:ext>
-            </a:extLst>
-          </p:cNvPr>
-          <p:cNvPicPr>
-            <a:picLocks noChangeAspect="1"/>
-          </p:cNvPicPr>
-          <p:nvPr/>
-        </p:nvPicPr>
-        <p:blipFill>
-          <a:blip r:embed="rId2">
-            <a:extLst>
-              <a:ext uri="{28A0092B-C50C-407E-A947-70E740481C1C}">
-                <a14:useLocalDpi xmlns:a14="http://schemas.microsoft.com/office/drawing/2010/main" val="0"/>
-              </a:ext>
-              <a:ext uri="{96DAC541-7B7A-43D3-8B79-37D633B846F1}">
-                <asvg:svgBlip xmlns:asvg="http://schemas.microsoft.com/office/drawing/2016/SVG/main" r:embed="rId3"/>
-              </a:ext>
-            </a:extLst>
-          </a:blip>
-          <a:stretch>
-            <a:fillRect/>
-          </a:stretch>
-        </p:blipFill>
-        <p:spPr>
-          <a:xfrm rot="20710149">
-            <a:off x="6775911" y="4006945"/>
-            <a:ext cx="567405" cy="664231"/>
-          </a:xfrm>
-          <a:prstGeom prst="rect">
-            <a:avLst/>
-          </a:prstGeom>
-        </p:spPr>
-      </p:pic>
-      <p:pic>
-        <p:nvPicPr>
-          <p:cNvPr id="23" name="Graphic 22" descr="Document outline">
-            <a:extLst>
-              <a:ext uri="{FF2B5EF4-FFF2-40B4-BE49-F238E27FC236}">
-                <a16:creationId xmlns:a16="http://schemas.microsoft.com/office/drawing/2014/main" id="{621C51EE-A512-9DCF-E986-A663F8A5613A}"/>
-              </a:ext>
-            </a:extLst>
-          </p:cNvPr>
-          <p:cNvPicPr>
-            <a:picLocks noChangeAspect="1"/>
-          </p:cNvPicPr>
-          <p:nvPr/>
-        </p:nvPicPr>
-        <p:blipFill>
-          <a:blip r:embed="rId2">
-            <a:extLst>
-              <a:ext uri="{28A0092B-C50C-407E-A947-70E740481C1C}">
-                <a14:useLocalDpi xmlns:a14="http://schemas.microsoft.com/office/drawing/2010/main" val="0"/>
-              </a:ext>
-              <a:ext uri="{96DAC541-7B7A-43D3-8B79-37D633B846F1}">
-                <asvg:svgBlip xmlns:asvg="http://schemas.microsoft.com/office/drawing/2016/SVG/main" r:embed="rId3"/>
-              </a:ext>
-            </a:extLst>
-          </a:blip>
-          <a:stretch>
-            <a:fillRect/>
-          </a:stretch>
-        </p:blipFill>
-        <p:spPr>
-          <a:xfrm rot="20710149">
-            <a:off x="7352230" y="3961834"/>
-            <a:ext cx="567405" cy="664231"/>
-          </a:xfrm>
-          <a:prstGeom prst="rect">
-            <a:avLst/>
-          </a:prstGeom>
-        </p:spPr>
-      </p:pic>
-      <p:pic>
-        <p:nvPicPr>
-          <p:cNvPr id="24" name="Graphic 23" descr="Document outline">
-            <a:extLst>
-              <a:ext uri="{FF2B5EF4-FFF2-40B4-BE49-F238E27FC236}">
-                <a16:creationId xmlns:a16="http://schemas.microsoft.com/office/drawing/2014/main" id="{66A67A19-81B9-930B-0133-A7B94CA883DF}"/>
-              </a:ext>
-            </a:extLst>
-          </p:cNvPr>
-          <p:cNvPicPr>
-            <a:picLocks noChangeAspect="1"/>
-          </p:cNvPicPr>
-          <p:nvPr/>
-        </p:nvPicPr>
-        <p:blipFill>
-          <a:blip r:embed="rId2">
-            <a:extLst>
-              <a:ext uri="{28A0092B-C50C-407E-A947-70E740481C1C}">
-                <a14:useLocalDpi xmlns:a14="http://schemas.microsoft.com/office/drawing/2010/main" val="0"/>
-              </a:ext>
-              <a:ext uri="{96DAC541-7B7A-43D3-8B79-37D633B846F1}">
-                <asvg:svgBlip xmlns:asvg="http://schemas.microsoft.com/office/drawing/2016/SVG/main" r:embed="rId3"/>
-              </a:ext>
-            </a:extLst>
-          </a:blip>
-          <a:stretch>
-            <a:fillRect/>
-          </a:stretch>
-        </p:blipFill>
-        <p:spPr>
-          <a:xfrm rot="20710149">
-            <a:off x="7893005" y="3952308"/>
-            <a:ext cx="567405" cy="664231"/>
-          </a:xfrm>
-          <a:prstGeom prst="rect">
-            <a:avLst/>
-          </a:prstGeom>
-        </p:spPr>
-      </p:pic>
-      <p:pic>
-        <p:nvPicPr>
-          <p:cNvPr id="25" name="Graphic 24" descr="Document outline">
-            <a:extLst>
-              <a:ext uri="{FF2B5EF4-FFF2-40B4-BE49-F238E27FC236}">
-                <a16:creationId xmlns:a16="http://schemas.microsoft.com/office/drawing/2014/main" id="{515DD82D-64F2-303F-DFF1-22FD3A1E5399}"/>
-              </a:ext>
-            </a:extLst>
-          </p:cNvPr>
-          <p:cNvPicPr>
-            <a:picLocks noChangeAspect="1"/>
-          </p:cNvPicPr>
-          <p:nvPr/>
-        </p:nvPicPr>
-        <p:blipFill>
-          <a:blip r:embed="rId2">
-            <a:extLst>
-              <a:ext uri="{28A0092B-C50C-407E-A947-70E740481C1C}">
-                <a14:useLocalDpi xmlns:a14="http://schemas.microsoft.com/office/drawing/2010/main" val="0"/>
-              </a:ext>
-              <a:ext uri="{96DAC541-7B7A-43D3-8B79-37D633B846F1}">
-                <asvg:svgBlip xmlns:asvg="http://schemas.microsoft.com/office/drawing/2016/SVG/main" r:embed="rId3"/>
-              </a:ext>
-            </a:extLst>
-          </a:blip>
-          <a:stretch>
-            <a:fillRect/>
-          </a:stretch>
-        </p:blipFill>
-        <p:spPr>
-          <a:xfrm rot="20710149">
-            <a:off x="8433780" y="3952307"/>
-            <a:ext cx="567405" cy="664231"/>
-          </a:xfrm>
-          <a:prstGeom prst="rect">
-            <a:avLst/>
-          </a:prstGeom>
-        </p:spPr>
-      </p:pic>
-      <p:cxnSp>
-        <p:nvCxnSpPr>
-          <p:cNvPr id="26" name="Straight Connector 25">
-            <a:extLst>
-              <a:ext uri="{FF2B5EF4-FFF2-40B4-BE49-F238E27FC236}">
-                <a16:creationId xmlns:a16="http://schemas.microsoft.com/office/drawing/2014/main" id="{30EE1624-C420-511A-9F24-5951554B7D7C}"/>
-              </a:ext>
-            </a:extLst>
-          </p:cNvPr>
-          <p:cNvCxnSpPr/>
-          <p:nvPr/>
-        </p:nvCxnSpPr>
-        <p:spPr>
-          <a:xfrm flipH="1">
-            <a:off x="7276670" y="3890752"/>
-            <a:ext cx="142206" cy="135069"/>
-          </a:xfrm>
-          <a:prstGeom prst="line">
-            <a:avLst/>
-          </a:prstGeom>
-          <a:ln w="22225">
-            <a:solidFill>
-              <a:schemeClr val="tx1"/>
-            </a:solidFill>
-          </a:ln>
-        </p:spPr>
-        <p:style>
-          <a:lnRef idx="1">
-            <a:schemeClr val="accent1"/>
-          </a:lnRef>
-          <a:fillRef idx="0">
-            <a:schemeClr val="accent1"/>
-          </a:fillRef>
-          <a:effectRef idx="0">
-            <a:schemeClr val="accent1"/>
-          </a:effectRef>
-          <a:fontRef idx="minor">
-            <a:schemeClr val="tx1"/>
-          </a:fontRef>
-        </p:style>
-      </p:cxnSp>
-      <p:cxnSp>
-        <p:nvCxnSpPr>
-          <p:cNvPr id="27" name="Straight Connector 26">
-            <a:extLst>
-              <a:ext uri="{FF2B5EF4-FFF2-40B4-BE49-F238E27FC236}">
-                <a16:creationId xmlns:a16="http://schemas.microsoft.com/office/drawing/2014/main" id="{224A8B13-C800-6C89-C461-85B1E8063C1A}"/>
-              </a:ext>
-            </a:extLst>
-          </p:cNvPr>
-          <p:cNvCxnSpPr>
-            <a:cxnSpLocks/>
-          </p:cNvCxnSpPr>
-          <p:nvPr/>
-        </p:nvCxnSpPr>
-        <p:spPr>
-          <a:xfrm flipH="1">
-            <a:off x="7618160" y="3827981"/>
-            <a:ext cx="88825" cy="152861"/>
-          </a:xfrm>
-          <a:prstGeom prst="line">
-            <a:avLst/>
-          </a:prstGeom>
-          <a:ln w="22225">
-            <a:solidFill>
-              <a:schemeClr val="tx1"/>
-            </a:solidFill>
-          </a:ln>
-        </p:spPr>
-        <p:style>
-          <a:lnRef idx="1">
-            <a:schemeClr val="accent1"/>
-          </a:lnRef>
-          <a:fillRef idx="0">
-            <a:schemeClr val="accent1"/>
-          </a:fillRef>
-          <a:effectRef idx="0">
-            <a:schemeClr val="accent1"/>
-          </a:effectRef>
-          <a:fontRef idx="minor">
-            <a:schemeClr val="tx1"/>
-          </a:fontRef>
-        </p:style>
-      </p:cxnSp>
-      <p:cxnSp>
-        <p:nvCxnSpPr>
-          <p:cNvPr id="28" name="Straight Connector 27">
-            <a:extLst>
-              <a:ext uri="{FF2B5EF4-FFF2-40B4-BE49-F238E27FC236}">
-                <a16:creationId xmlns:a16="http://schemas.microsoft.com/office/drawing/2014/main" id="{EF5696CF-A40F-ADCF-CD93-EBD156F01A51}"/>
-              </a:ext>
-            </a:extLst>
-          </p:cNvPr>
-          <p:cNvCxnSpPr>
-            <a:cxnSpLocks/>
-            <a:endCxn id="24" idx="0"/>
-          </p:cNvCxnSpPr>
-          <p:nvPr/>
-        </p:nvCxnSpPr>
-        <p:spPr>
-          <a:xfrm>
-            <a:off x="8032602" y="3769211"/>
-            <a:ext cx="59096" cy="194161"/>
-          </a:xfrm>
-          <a:prstGeom prst="line">
-            <a:avLst/>
-          </a:prstGeom>
-          <a:ln w="22225">
-            <a:solidFill>
-              <a:schemeClr val="tx1"/>
-            </a:solidFill>
-          </a:ln>
-        </p:spPr>
-        <p:style>
-          <a:lnRef idx="1">
-            <a:schemeClr val="accent1"/>
-          </a:lnRef>
-          <a:fillRef idx="0">
-            <a:schemeClr val="accent1"/>
-          </a:fillRef>
-          <a:effectRef idx="0">
-            <a:schemeClr val="accent1"/>
-          </a:effectRef>
-          <a:fontRef idx="minor">
-            <a:schemeClr val="tx1"/>
-          </a:fontRef>
-        </p:style>
-      </p:cxnSp>
-      <p:cxnSp>
-        <p:nvCxnSpPr>
-          <p:cNvPr id="29" name="Straight Connector 28">
-            <a:extLst>
-              <a:ext uri="{FF2B5EF4-FFF2-40B4-BE49-F238E27FC236}">
-                <a16:creationId xmlns:a16="http://schemas.microsoft.com/office/drawing/2014/main" id="{72BE3773-7593-12AB-A12A-41437467B591}"/>
-              </a:ext>
-            </a:extLst>
-          </p:cNvPr>
-          <p:cNvCxnSpPr>
-            <a:cxnSpLocks/>
-          </p:cNvCxnSpPr>
-          <p:nvPr/>
-        </p:nvCxnSpPr>
-        <p:spPr>
-          <a:xfrm>
-            <a:off x="8316922" y="3706118"/>
-            <a:ext cx="173345" cy="222623"/>
-          </a:xfrm>
-          <a:prstGeom prst="line">
-            <a:avLst/>
-          </a:prstGeom>
-          <a:ln w="22225">
-            <a:solidFill>
-              <a:schemeClr val="tx1"/>
-            </a:solidFill>
-          </a:ln>
-        </p:spPr>
-        <p:style>
-          <a:lnRef idx="1">
-            <a:schemeClr val="accent1"/>
-          </a:lnRef>
-          <a:fillRef idx="0">
-            <a:schemeClr val="accent1"/>
-          </a:fillRef>
-          <a:effectRef idx="0">
-            <a:schemeClr val="accent1"/>
-          </a:effectRef>
-          <a:fontRef idx="minor">
-            <a:schemeClr val="tx1"/>
-          </a:fontRef>
-        </p:style>
-      </p:cxnSp>
-      <p:sp>
-        <p:nvSpPr>
-          <p:cNvPr id="34" name="TextBox 33">
-            <a:extLst>
-              <a:ext uri="{FF2B5EF4-FFF2-40B4-BE49-F238E27FC236}">
-                <a16:creationId xmlns:a16="http://schemas.microsoft.com/office/drawing/2014/main" id="{FAAFC8AF-3A25-A70F-1E79-B2EB7CD872D1}"/>
-              </a:ext>
-            </a:extLst>
-          </p:cNvPr>
-          <p:cNvSpPr txBox="1"/>
-          <p:nvPr/>
-        </p:nvSpPr>
-        <p:spPr>
-          <a:xfrm>
-            <a:off x="2752596" y="5406304"/>
-            <a:ext cx="2538195" cy="646331"/>
+            <a:off x="4027837" y="2967335"/>
+            <a:ext cx="4136325" cy="923330"/>
           </a:xfrm>
           <a:prstGeom prst="rect">
             <a:avLst/>
@@ -4933,61 +4100,27 @@
           <a:noFill/>
         </p:spPr>
         <p:txBody>
-          <a:bodyPr wrap="none" rtlCol="0">
+          <a:bodyPr wrap="none" lIns="91440" tIns="45720" rIns="91440" bIns="45720">
             <a:spAutoFit/>
           </a:bodyPr>
           <a:lstStyle/>
           <a:p>
-            <a:r>
-              <a:rPr lang="en-US" dirty="0"/>
-              <a:t>A Repo (usually) contains</a:t>
-            </a:r>
-          </a:p>
-          <a:p>
-            <a:r>
-              <a:rPr lang="en-US" dirty="0"/>
-              <a:t>multiple artifacts (files)</a:t>
-            </a:r>
-          </a:p>
-        </p:txBody>
-      </p:sp>
-      <p:sp>
-        <p:nvSpPr>
-          <p:cNvPr id="42" name="TextBox 41">
-            <a:extLst>
-              <a:ext uri="{FF2B5EF4-FFF2-40B4-BE49-F238E27FC236}">
-                <a16:creationId xmlns:a16="http://schemas.microsoft.com/office/drawing/2014/main" id="{A2FBE538-8D32-E2DA-D596-F96E6D7914BB}"/>
-              </a:ext>
-            </a:extLst>
-          </p:cNvPr>
-          <p:cNvSpPr txBox="1"/>
-          <p:nvPr/>
-        </p:nvSpPr>
-        <p:spPr>
-          <a:xfrm>
-            <a:off x="6953728" y="5398015"/>
-            <a:ext cx="2455352" cy="646331"/>
-          </a:xfrm>
-          <a:prstGeom prst="rect">
-            <a:avLst/>
-          </a:prstGeom>
-          <a:noFill/>
-        </p:spPr>
-        <p:txBody>
-          <a:bodyPr wrap="none" rtlCol="0">
-            <a:spAutoFit/>
-          </a:bodyPr>
-          <a:lstStyle/>
-          <a:p>
-            <a:r>
-              <a:rPr lang="en-US" dirty="0"/>
-              <a:t>And a Repo may contain</a:t>
-            </a:r>
-          </a:p>
-          <a:p>
-            <a:r>
-              <a:rPr lang="en-US" dirty="0"/>
-              <a:t>multiple branches</a:t>
+            <a:pPr algn="ctr"/>
+            <a:r>
+              <a:rPr lang="en-US" sz="5400" b="0" cap="none" spc="0" dirty="0">
+                <a:ln w="0"/>
+                <a:solidFill>
+                  <a:schemeClr val="accent1"/>
+                </a:solidFill>
+                <a:effectLst>
+                  <a:outerShdw blurRad="38100" dist="25400" dir="5400000" algn="ctr" rotWithShape="0">
+                    <a:srgbClr val="6E747A">
+                      <a:alpha val="43000"/>
+                    </a:srgbClr>
+                  </a:outerShdw>
+                </a:effectLst>
+              </a:rPr>
+              <a:t>Your text here</a:t>
             </a:r>
           </a:p>
         </p:txBody>
@@ -4995,7 +4128,7 @@
     </p:spTree>
     <p:extLst>
       <p:ext uri="{BB962C8B-B14F-4D97-AF65-F5344CB8AC3E}">
-        <p14:creationId xmlns:p14="http://schemas.microsoft.com/office/powerpoint/2010/main" val="3644028078"/>
+        <p14:creationId xmlns:p14="http://schemas.microsoft.com/office/powerpoint/2010/main" val="473677910"/>
       </p:ext>
     </p:extLst>
   </p:cSld>
@@ -5022,12 +4155,174 @@
           <a:chExt cx="0" cy="0"/>
         </a:xfrm>
       </p:grpSpPr>
+      <p:sp>
+        <p:nvSpPr>
+          <p:cNvPr id="33" name="Oval 32">
+            <a:extLst>
+              <a:ext uri="{FF2B5EF4-FFF2-40B4-BE49-F238E27FC236}">
+                <a16:creationId xmlns:a16="http://schemas.microsoft.com/office/drawing/2014/main" id="{9307AC02-5888-1E55-5B2F-45686AA8DB36}"/>
+              </a:ext>
+            </a:extLst>
+          </p:cNvPr>
+          <p:cNvSpPr/>
+          <p:nvPr/>
+        </p:nvSpPr>
+        <p:spPr>
+          <a:xfrm>
+            <a:off x="6950057" y="1208481"/>
+            <a:ext cx="3171825" cy="3762375"/>
+          </a:xfrm>
+          <a:prstGeom prst="ellipse">
+            <a:avLst/>
+          </a:prstGeom>
+          <a:solidFill>
+            <a:schemeClr val="bg1"/>
+          </a:solidFill>
+          <a:ln w="28575">
+            <a:solidFill>
+              <a:schemeClr val="tx1"/>
+            </a:solidFill>
+          </a:ln>
+        </p:spPr>
+        <p:style>
+          <a:lnRef idx="2">
+            <a:schemeClr val="accent1">
+              <a:shade val="50000"/>
+            </a:schemeClr>
+          </a:lnRef>
+          <a:fillRef idx="1">
+            <a:schemeClr val="accent1"/>
+          </a:fillRef>
+          <a:effectRef idx="0">
+            <a:schemeClr val="accent1"/>
+          </a:effectRef>
+          <a:fontRef idx="minor">
+            <a:schemeClr val="lt1"/>
+          </a:fontRef>
+        </p:style>
+        <p:txBody>
+          <a:bodyPr rtlCol="0" anchor="ctr"/>
+          <a:lstStyle/>
+          <a:p>
+            <a:pPr algn="ctr"/>
+            <a:endParaRPr lang="en-US"/>
+          </a:p>
+        </p:txBody>
+      </p:sp>
+      <p:sp>
+        <p:nvSpPr>
+          <p:cNvPr id="32" name="Oval 31">
+            <a:extLst>
+              <a:ext uri="{FF2B5EF4-FFF2-40B4-BE49-F238E27FC236}">
+                <a16:creationId xmlns:a16="http://schemas.microsoft.com/office/drawing/2014/main" id="{31512ECF-4CDA-ACB6-14F3-0AB41654A9A7}"/>
+              </a:ext>
+            </a:extLst>
+          </p:cNvPr>
+          <p:cNvSpPr/>
+          <p:nvPr/>
+        </p:nvSpPr>
+        <p:spPr>
+          <a:xfrm>
+            <a:off x="6635077" y="1378146"/>
+            <a:ext cx="3171825" cy="3762375"/>
+          </a:xfrm>
+          <a:prstGeom prst="ellipse">
+            <a:avLst/>
+          </a:prstGeom>
+          <a:solidFill>
+            <a:schemeClr val="bg1"/>
+          </a:solidFill>
+          <a:ln w="28575">
+            <a:solidFill>
+              <a:schemeClr val="tx1"/>
+            </a:solidFill>
+          </a:ln>
+        </p:spPr>
+        <p:style>
+          <a:lnRef idx="2">
+            <a:schemeClr val="accent1">
+              <a:shade val="50000"/>
+            </a:schemeClr>
+          </a:lnRef>
+          <a:fillRef idx="1">
+            <a:schemeClr val="accent1"/>
+          </a:fillRef>
+          <a:effectRef idx="0">
+            <a:schemeClr val="accent1"/>
+          </a:effectRef>
+          <a:fontRef idx="minor">
+            <a:schemeClr val="lt1"/>
+          </a:fontRef>
+        </p:style>
+        <p:txBody>
+          <a:bodyPr rtlCol="0" anchor="ctr"/>
+          <a:lstStyle/>
+          <a:p>
+            <a:pPr algn="ctr"/>
+            <a:endParaRPr lang="en-US"/>
+          </a:p>
+        </p:txBody>
+      </p:sp>
+      <p:sp>
+        <p:nvSpPr>
+          <p:cNvPr id="30" name="Oval 29">
+            <a:extLst>
+              <a:ext uri="{FF2B5EF4-FFF2-40B4-BE49-F238E27FC236}">
+                <a16:creationId xmlns:a16="http://schemas.microsoft.com/office/drawing/2014/main" id="{6BC5802C-093A-22DB-5281-D4763DC9934A}"/>
+              </a:ext>
+            </a:extLst>
+          </p:cNvPr>
+          <p:cNvSpPr/>
+          <p:nvPr/>
+        </p:nvSpPr>
+        <p:spPr>
+          <a:xfrm>
+            <a:off x="6320098" y="1547812"/>
+            <a:ext cx="3171825" cy="3762375"/>
+          </a:xfrm>
+          <a:prstGeom prst="ellipse">
+            <a:avLst/>
+          </a:prstGeom>
+          <a:solidFill>
+            <a:schemeClr val="bg1"/>
+          </a:solidFill>
+          <a:ln w="28575">
+            <a:solidFill>
+              <a:schemeClr val="tx1"/>
+            </a:solidFill>
+          </a:ln>
+        </p:spPr>
+        <p:style>
+          <a:lnRef idx="2">
+            <a:schemeClr val="accent1">
+              <a:shade val="50000"/>
+            </a:schemeClr>
+          </a:lnRef>
+          <a:fillRef idx="1">
+            <a:schemeClr val="accent1"/>
+          </a:fillRef>
+          <a:effectRef idx="0">
+            <a:schemeClr val="accent1"/>
+          </a:effectRef>
+          <a:fontRef idx="minor">
+            <a:schemeClr val="lt1"/>
+          </a:fontRef>
+        </p:style>
+        <p:txBody>
+          <a:bodyPr rtlCol="0" anchor="ctr"/>
+          <a:lstStyle/>
+          <a:p>
+            <a:pPr algn="ctr"/>
+            <a:endParaRPr lang="en-US"/>
+          </a:p>
+        </p:txBody>
+      </p:sp>
       <p:pic>
         <p:nvPicPr>
-          <p:cNvPr id="5" name="Picture 4">
-            <a:extLst>
-              <a:ext uri="{FF2B5EF4-FFF2-40B4-BE49-F238E27FC236}">
-                <a16:creationId xmlns:a16="http://schemas.microsoft.com/office/drawing/2014/main" id="{CEA9A0B5-CDA4-AACE-C4EC-814C146EA676}"/>
+          <p:cNvPr id="18" name="Graphic 17" descr="Document outline">
+            <a:extLst>
+              <a:ext uri="{FF2B5EF4-FFF2-40B4-BE49-F238E27FC236}">
+                <a16:creationId xmlns:a16="http://schemas.microsoft.com/office/drawing/2014/main" id="{E9675CF2-DFA0-05A7-5BC8-CBB88D241EDA}"/>
               </a:ext>
             </a:extLst>
           </p:cNvPr>
@@ -5037,25 +4332,861 @@
           <p:nvPr/>
         </p:nvPicPr>
         <p:blipFill>
-          <a:blip r:embed="rId2"/>
+          <a:blip r:embed="rId2">
+            <a:extLst>
+              <a:ext uri="{28A0092B-C50C-407E-A947-70E740481C1C}">
+                <a14:useLocalDpi xmlns:a14="http://schemas.microsoft.com/office/drawing/2010/main" val="0"/>
+              </a:ext>
+              <a:ext uri="{96DAC541-7B7A-43D3-8B79-37D633B846F1}">
+                <asvg:svgBlip xmlns:asvg="http://schemas.microsoft.com/office/drawing/2016/SVG/main" r:embed="rId3"/>
+              </a:ext>
+            </a:extLst>
+          </a:blip>
           <a:stretch>
             <a:fillRect/>
           </a:stretch>
         </p:blipFill>
         <p:spPr>
-          <a:xfrm>
-            <a:off x="1422400" y="372985"/>
-            <a:ext cx="8900363" cy="6112029"/>
+          <a:xfrm rot="20710149">
+            <a:off x="2950167" y="2128046"/>
+            <a:ext cx="1483644" cy="1736824"/>
           </a:xfrm>
           <a:prstGeom prst="rect">
             <a:avLst/>
           </a:prstGeom>
         </p:spPr>
       </p:pic>
+      <p:pic>
+        <p:nvPicPr>
+          <p:cNvPr id="2" name="Graphic 1" descr="Document outline">
+            <a:extLst>
+              <a:ext uri="{FF2B5EF4-FFF2-40B4-BE49-F238E27FC236}">
+                <a16:creationId xmlns:a16="http://schemas.microsoft.com/office/drawing/2014/main" id="{C8B00097-4DAA-6757-159C-8BCFB64CD6E9}"/>
+              </a:ext>
+            </a:extLst>
+          </p:cNvPr>
+          <p:cNvPicPr>
+            <a:picLocks noChangeAspect="1"/>
+          </p:cNvPicPr>
+          <p:nvPr/>
+        </p:nvPicPr>
+        <p:blipFill>
+          <a:blip r:embed="rId2">
+            <a:extLst>
+              <a:ext uri="{28A0092B-C50C-407E-A947-70E740481C1C}">
+                <a14:useLocalDpi xmlns:a14="http://schemas.microsoft.com/office/drawing/2010/main" val="0"/>
+              </a:ext>
+              <a:ext uri="{96DAC541-7B7A-43D3-8B79-37D633B846F1}">
+                <asvg:svgBlip xmlns:asvg="http://schemas.microsoft.com/office/drawing/2016/SVG/main" r:embed="rId3"/>
+              </a:ext>
+            </a:extLst>
+          </a:blip>
+          <a:stretch>
+            <a:fillRect/>
+          </a:stretch>
+        </p:blipFill>
+        <p:spPr>
+          <a:xfrm rot="20710149">
+            <a:off x="2760863" y="4006945"/>
+            <a:ext cx="567405" cy="664231"/>
+          </a:xfrm>
+          <a:prstGeom prst="rect">
+            <a:avLst/>
+          </a:prstGeom>
+        </p:spPr>
+      </p:pic>
+      <p:pic>
+        <p:nvPicPr>
+          <p:cNvPr id="3" name="Graphic 2" descr="Document outline">
+            <a:extLst>
+              <a:ext uri="{FF2B5EF4-FFF2-40B4-BE49-F238E27FC236}">
+                <a16:creationId xmlns:a16="http://schemas.microsoft.com/office/drawing/2014/main" id="{539AA045-118F-54DE-6428-A1F403FF5F1C}"/>
+              </a:ext>
+            </a:extLst>
+          </p:cNvPr>
+          <p:cNvPicPr>
+            <a:picLocks noChangeAspect="1"/>
+          </p:cNvPicPr>
+          <p:nvPr/>
+        </p:nvPicPr>
+        <p:blipFill>
+          <a:blip r:embed="rId2">
+            <a:extLst>
+              <a:ext uri="{28A0092B-C50C-407E-A947-70E740481C1C}">
+                <a14:useLocalDpi xmlns:a14="http://schemas.microsoft.com/office/drawing/2010/main" val="0"/>
+              </a:ext>
+              <a:ext uri="{96DAC541-7B7A-43D3-8B79-37D633B846F1}">
+                <asvg:svgBlip xmlns:asvg="http://schemas.microsoft.com/office/drawing/2016/SVG/main" r:embed="rId3"/>
+              </a:ext>
+            </a:extLst>
+          </a:blip>
+          <a:stretch>
+            <a:fillRect/>
+          </a:stretch>
+        </p:blipFill>
+        <p:spPr>
+          <a:xfrm rot="20710149">
+            <a:off x="3337182" y="3961834"/>
+            <a:ext cx="567405" cy="664231"/>
+          </a:xfrm>
+          <a:prstGeom prst="rect">
+            <a:avLst/>
+          </a:prstGeom>
+        </p:spPr>
+      </p:pic>
+      <p:pic>
+        <p:nvPicPr>
+          <p:cNvPr id="4" name="Graphic 3" descr="Document outline">
+            <a:extLst>
+              <a:ext uri="{FF2B5EF4-FFF2-40B4-BE49-F238E27FC236}">
+                <a16:creationId xmlns:a16="http://schemas.microsoft.com/office/drawing/2014/main" id="{B3F50159-9BE5-68F2-5828-97AC88432B45}"/>
+              </a:ext>
+            </a:extLst>
+          </p:cNvPr>
+          <p:cNvPicPr>
+            <a:picLocks noChangeAspect="1"/>
+          </p:cNvPicPr>
+          <p:nvPr/>
+        </p:nvPicPr>
+        <p:blipFill>
+          <a:blip r:embed="rId2">
+            <a:extLst>
+              <a:ext uri="{28A0092B-C50C-407E-A947-70E740481C1C}">
+                <a14:useLocalDpi xmlns:a14="http://schemas.microsoft.com/office/drawing/2010/main" val="0"/>
+              </a:ext>
+              <a:ext uri="{96DAC541-7B7A-43D3-8B79-37D633B846F1}">
+                <asvg:svgBlip xmlns:asvg="http://schemas.microsoft.com/office/drawing/2016/SVG/main" r:embed="rId3"/>
+              </a:ext>
+            </a:extLst>
+          </a:blip>
+          <a:stretch>
+            <a:fillRect/>
+          </a:stretch>
+        </p:blipFill>
+        <p:spPr>
+          <a:xfrm rot="20710149">
+            <a:off x="3877957" y="3952308"/>
+            <a:ext cx="567405" cy="664231"/>
+          </a:xfrm>
+          <a:prstGeom prst="rect">
+            <a:avLst/>
+          </a:prstGeom>
+        </p:spPr>
+      </p:pic>
+      <p:pic>
+        <p:nvPicPr>
+          <p:cNvPr id="6" name="Graphic 5" descr="Document outline">
+            <a:extLst>
+              <a:ext uri="{FF2B5EF4-FFF2-40B4-BE49-F238E27FC236}">
+                <a16:creationId xmlns:a16="http://schemas.microsoft.com/office/drawing/2014/main" id="{A8F22FFE-27E4-B07B-5E23-E774E2CBA06B}"/>
+              </a:ext>
+            </a:extLst>
+          </p:cNvPr>
+          <p:cNvPicPr>
+            <a:picLocks noChangeAspect="1"/>
+          </p:cNvPicPr>
+          <p:nvPr/>
+        </p:nvPicPr>
+        <p:blipFill>
+          <a:blip r:embed="rId2">
+            <a:extLst>
+              <a:ext uri="{28A0092B-C50C-407E-A947-70E740481C1C}">
+                <a14:useLocalDpi xmlns:a14="http://schemas.microsoft.com/office/drawing/2010/main" val="0"/>
+              </a:ext>
+              <a:ext uri="{96DAC541-7B7A-43D3-8B79-37D633B846F1}">
+                <asvg:svgBlip xmlns:asvg="http://schemas.microsoft.com/office/drawing/2016/SVG/main" r:embed="rId3"/>
+              </a:ext>
+            </a:extLst>
+          </a:blip>
+          <a:stretch>
+            <a:fillRect/>
+          </a:stretch>
+        </p:blipFill>
+        <p:spPr>
+          <a:xfrm rot="20710149">
+            <a:off x="4418732" y="3952307"/>
+            <a:ext cx="567405" cy="664231"/>
+          </a:xfrm>
+          <a:prstGeom prst="rect">
+            <a:avLst/>
+          </a:prstGeom>
+        </p:spPr>
+      </p:pic>
+      <p:cxnSp>
+        <p:nvCxnSpPr>
+          <p:cNvPr id="10" name="Straight Connector 9">
+            <a:extLst>
+              <a:ext uri="{FF2B5EF4-FFF2-40B4-BE49-F238E27FC236}">
+                <a16:creationId xmlns:a16="http://schemas.microsoft.com/office/drawing/2014/main" id="{D0DDED4B-1D21-E131-8E75-9EEBC97EA80C}"/>
+              </a:ext>
+            </a:extLst>
+          </p:cNvPr>
+          <p:cNvCxnSpPr/>
+          <p:nvPr/>
+        </p:nvCxnSpPr>
+        <p:spPr>
+          <a:xfrm flipH="1">
+            <a:off x="3261622" y="3890752"/>
+            <a:ext cx="142206" cy="135069"/>
+          </a:xfrm>
+          <a:prstGeom prst="line">
+            <a:avLst/>
+          </a:prstGeom>
+          <a:ln w="22225">
+            <a:solidFill>
+              <a:schemeClr val="tx1"/>
+            </a:solidFill>
+          </a:ln>
+        </p:spPr>
+        <p:style>
+          <a:lnRef idx="1">
+            <a:schemeClr val="accent1"/>
+          </a:lnRef>
+          <a:fillRef idx="0">
+            <a:schemeClr val="accent1"/>
+          </a:fillRef>
+          <a:effectRef idx="0">
+            <a:schemeClr val="accent1"/>
+          </a:effectRef>
+          <a:fontRef idx="minor">
+            <a:schemeClr val="tx1"/>
+          </a:fontRef>
+        </p:style>
+      </p:cxnSp>
+      <p:cxnSp>
+        <p:nvCxnSpPr>
+          <p:cNvPr id="11" name="Straight Connector 10">
+            <a:extLst>
+              <a:ext uri="{FF2B5EF4-FFF2-40B4-BE49-F238E27FC236}">
+                <a16:creationId xmlns:a16="http://schemas.microsoft.com/office/drawing/2014/main" id="{43725F26-28DB-B172-03D5-638B320D4FBA}"/>
+              </a:ext>
+            </a:extLst>
+          </p:cNvPr>
+          <p:cNvCxnSpPr>
+            <a:cxnSpLocks/>
+          </p:cNvCxnSpPr>
+          <p:nvPr/>
+        </p:nvCxnSpPr>
+        <p:spPr>
+          <a:xfrm flipH="1">
+            <a:off x="3603112" y="3827981"/>
+            <a:ext cx="88825" cy="152861"/>
+          </a:xfrm>
+          <a:prstGeom prst="line">
+            <a:avLst/>
+          </a:prstGeom>
+          <a:ln w="22225">
+            <a:solidFill>
+              <a:schemeClr val="tx1"/>
+            </a:solidFill>
+          </a:ln>
+        </p:spPr>
+        <p:style>
+          <a:lnRef idx="1">
+            <a:schemeClr val="accent1"/>
+          </a:lnRef>
+          <a:fillRef idx="0">
+            <a:schemeClr val="accent1"/>
+          </a:fillRef>
+          <a:effectRef idx="0">
+            <a:schemeClr val="accent1"/>
+          </a:effectRef>
+          <a:fontRef idx="minor">
+            <a:schemeClr val="tx1"/>
+          </a:fontRef>
+        </p:style>
+      </p:cxnSp>
+      <p:cxnSp>
+        <p:nvCxnSpPr>
+          <p:cNvPr id="14" name="Straight Connector 13">
+            <a:extLst>
+              <a:ext uri="{FF2B5EF4-FFF2-40B4-BE49-F238E27FC236}">
+                <a16:creationId xmlns:a16="http://schemas.microsoft.com/office/drawing/2014/main" id="{9ECCF62C-2AAB-D861-FBCC-CCBD76A23871}"/>
+              </a:ext>
+            </a:extLst>
+          </p:cNvPr>
+          <p:cNvCxnSpPr>
+            <a:cxnSpLocks/>
+            <a:endCxn id="4" idx="0"/>
+          </p:cNvCxnSpPr>
+          <p:nvPr/>
+        </p:nvCxnSpPr>
+        <p:spPr>
+          <a:xfrm>
+            <a:off x="4017554" y="3769211"/>
+            <a:ext cx="59096" cy="194161"/>
+          </a:xfrm>
+          <a:prstGeom prst="line">
+            <a:avLst/>
+          </a:prstGeom>
+          <a:ln w="22225">
+            <a:solidFill>
+              <a:schemeClr val="tx1"/>
+            </a:solidFill>
+          </a:ln>
+        </p:spPr>
+        <p:style>
+          <a:lnRef idx="1">
+            <a:schemeClr val="accent1"/>
+          </a:lnRef>
+          <a:fillRef idx="0">
+            <a:schemeClr val="accent1"/>
+          </a:fillRef>
+          <a:effectRef idx="0">
+            <a:schemeClr val="accent1"/>
+          </a:effectRef>
+          <a:fontRef idx="minor">
+            <a:schemeClr val="tx1"/>
+          </a:fontRef>
+        </p:style>
+      </p:cxnSp>
+      <p:cxnSp>
+        <p:nvCxnSpPr>
+          <p:cNvPr id="17" name="Straight Connector 16">
+            <a:extLst>
+              <a:ext uri="{FF2B5EF4-FFF2-40B4-BE49-F238E27FC236}">
+                <a16:creationId xmlns:a16="http://schemas.microsoft.com/office/drawing/2014/main" id="{BF862D4D-F579-1AED-6FF0-592774B1E8A8}"/>
+              </a:ext>
+            </a:extLst>
+          </p:cNvPr>
+          <p:cNvCxnSpPr>
+            <a:cxnSpLocks/>
+          </p:cNvCxnSpPr>
+          <p:nvPr/>
+        </p:nvCxnSpPr>
+        <p:spPr>
+          <a:xfrm>
+            <a:off x="4301874" y="3706118"/>
+            <a:ext cx="173345" cy="222623"/>
+          </a:xfrm>
+          <a:prstGeom prst="line">
+            <a:avLst/>
+          </a:prstGeom>
+          <a:ln w="22225">
+            <a:solidFill>
+              <a:schemeClr val="tx1"/>
+            </a:solidFill>
+          </a:ln>
+        </p:spPr>
+        <p:style>
+          <a:lnRef idx="1">
+            <a:schemeClr val="accent1"/>
+          </a:lnRef>
+          <a:fillRef idx="0">
+            <a:schemeClr val="accent1"/>
+          </a:fillRef>
+          <a:effectRef idx="0">
+            <a:schemeClr val="accent1"/>
+          </a:effectRef>
+          <a:fontRef idx="minor">
+            <a:schemeClr val="tx1"/>
+          </a:fontRef>
+        </p:style>
+      </p:cxnSp>
+      <p:sp>
+        <p:nvSpPr>
+          <p:cNvPr id="20" name="Oval 19">
+            <a:extLst>
+              <a:ext uri="{FF2B5EF4-FFF2-40B4-BE49-F238E27FC236}">
+                <a16:creationId xmlns:a16="http://schemas.microsoft.com/office/drawing/2014/main" id="{155560CF-DC23-907F-2CFB-AA03DB7AB73F}"/>
+              </a:ext>
+            </a:extLst>
+          </p:cNvPr>
+          <p:cNvSpPr/>
+          <p:nvPr/>
+        </p:nvSpPr>
+        <p:spPr>
+          <a:xfrm>
+            <a:off x="2305050" y="1547812"/>
+            <a:ext cx="3171825" cy="3762375"/>
+          </a:xfrm>
+          <a:prstGeom prst="ellipse">
+            <a:avLst/>
+          </a:prstGeom>
+          <a:noFill/>
+          <a:ln w="28575">
+            <a:solidFill>
+              <a:schemeClr val="tx1"/>
+            </a:solidFill>
+          </a:ln>
+        </p:spPr>
+        <p:style>
+          <a:lnRef idx="2">
+            <a:schemeClr val="accent1">
+              <a:shade val="50000"/>
+            </a:schemeClr>
+          </a:lnRef>
+          <a:fillRef idx="1">
+            <a:schemeClr val="accent1"/>
+          </a:fillRef>
+          <a:effectRef idx="0">
+            <a:schemeClr val="accent1"/>
+          </a:effectRef>
+          <a:fontRef idx="minor">
+            <a:schemeClr val="lt1"/>
+          </a:fontRef>
+        </p:style>
+        <p:txBody>
+          <a:bodyPr rtlCol="0" anchor="ctr"/>
+          <a:lstStyle/>
+          <a:p>
+            <a:pPr algn="ctr"/>
+            <a:endParaRPr lang="en-US"/>
+          </a:p>
+        </p:txBody>
+      </p:sp>
+      <p:pic>
+        <p:nvPicPr>
+          <p:cNvPr id="21" name="Graphic 20" descr="Document outline">
+            <a:extLst>
+              <a:ext uri="{FF2B5EF4-FFF2-40B4-BE49-F238E27FC236}">
+                <a16:creationId xmlns:a16="http://schemas.microsoft.com/office/drawing/2014/main" id="{23B0BF19-3A99-0307-EB0B-96948EACB51F}"/>
+              </a:ext>
+            </a:extLst>
+          </p:cNvPr>
+          <p:cNvPicPr>
+            <a:picLocks noChangeAspect="1"/>
+          </p:cNvPicPr>
+          <p:nvPr/>
+        </p:nvPicPr>
+        <p:blipFill>
+          <a:blip r:embed="rId2">
+            <a:extLst>
+              <a:ext uri="{28A0092B-C50C-407E-A947-70E740481C1C}">
+                <a14:useLocalDpi xmlns:a14="http://schemas.microsoft.com/office/drawing/2010/main" val="0"/>
+              </a:ext>
+              <a:ext uri="{96DAC541-7B7A-43D3-8B79-37D633B846F1}">
+                <asvg:svgBlip xmlns:asvg="http://schemas.microsoft.com/office/drawing/2016/SVG/main" r:embed="rId3"/>
+              </a:ext>
+            </a:extLst>
+          </a:blip>
+          <a:stretch>
+            <a:fillRect/>
+          </a:stretch>
+        </p:blipFill>
+        <p:spPr>
+          <a:xfrm rot="20710149">
+            <a:off x="6965215" y="2128046"/>
+            <a:ext cx="1483644" cy="1736824"/>
+          </a:xfrm>
+          <a:prstGeom prst="rect">
+            <a:avLst/>
+          </a:prstGeom>
+        </p:spPr>
+      </p:pic>
+      <p:pic>
+        <p:nvPicPr>
+          <p:cNvPr id="22" name="Graphic 21" descr="Document outline">
+            <a:extLst>
+              <a:ext uri="{FF2B5EF4-FFF2-40B4-BE49-F238E27FC236}">
+                <a16:creationId xmlns:a16="http://schemas.microsoft.com/office/drawing/2014/main" id="{70F10116-E800-D914-0F11-87DE728DCEF1}"/>
+              </a:ext>
+            </a:extLst>
+          </p:cNvPr>
+          <p:cNvPicPr>
+            <a:picLocks noChangeAspect="1"/>
+          </p:cNvPicPr>
+          <p:nvPr/>
+        </p:nvPicPr>
+        <p:blipFill>
+          <a:blip r:embed="rId2">
+            <a:extLst>
+              <a:ext uri="{28A0092B-C50C-407E-A947-70E740481C1C}">
+                <a14:useLocalDpi xmlns:a14="http://schemas.microsoft.com/office/drawing/2010/main" val="0"/>
+              </a:ext>
+              <a:ext uri="{96DAC541-7B7A-43D3-8B79-37D633B846F1}">
+                <asvg:svgBlip xmlns:asvg="http://schemas.microsoft.com/office/drawing/2016/SVG/main" r:embed="rId3"/>
+              </a:ext>
+            </a:extLst>
+          </a:blip>
+          <a:stretch>
+            <a:fillRect/>
+          </a:stretch>
+        </p:blipFill>
+        <p:spPr>
+          <a:xfrm rot="20710149">
+            <a:off x="6775911" y="4006945"/>
+            <a:ext cx="567405" cy="664231"/>
+          </a:xfrm>
+          <a:prstGeom prst="rect">
+            <a:avLst/>
+          </a:prstGeom>
+        </p:spPr>
+      </p:pic>
+      <p:pic>
+        <p:nvPicPr>
+          <p:cNvPr id="23" name="Graphic 22" descr="Document outline">
+            <a:extLst>
+              <a:ext uri="{FF2B5EF4-FFF2-40B4-BE49-F238E27FC236}">
+                <a16:creationId xmlns:a16="http://schemas.microsoft.com/office/drawing/2014/main" id="{621C51EE-A512-9DCF-E986-A663F8A5613A}"/>
+              </a:ext>
+            </a:extLst>
+          </p:cNvPr>
+          <p:cNvPicPr>
+            <a:picLocks noChangeAspect="1"/>
+          </p:cNvPicPr>
+          <p:nvPr/>
+        </p:nvPicPr>
+        <p:blipFill>
+          <a:blip r:embed="rId2">
+            <a:extLst>
+              <a:ext uri="{28A0092B-C50C-407E-A947-70E740481C1C}">
+                <a14:useLocalDpi xmlns:a14="http://schemas.microsoft.com/office/drawing/2010/main" val="0"/>
+              </a:ext>
+              <a:ext uri="{96DAC541-7B7A-43D3-8B79-37D633B846F1}">
+                <asvg:svgBlip xmlns:asvg="http://schemas.microsoft.com/office/drawing/2016/SVG/main" r:embed="rId3"/>
+              </a:ext>
+            </a:extLst>
+          </a:blip>
+          <a:stretch>
+            <a:fillRect/>
+          </a:stretch>
+        </p:blipFill>
+        <p:spPr>
+          <a:xfrm rot="20710149">
+            <a:off x="7352230" y="3961834"/>
+            <a:ext cx="567405" cy="664231"/>
+          </a:xfrm>
+          <a:prstGeom prst="rect">
+            <a:avLst/>
+          </a:prstGeom>
+        </p:spPr>
+      </p:pic>
+      <p:pic>
+        <p:nvPicPr>
+          <p:cNvPr id="24" name="Graphic 23" descr="Document outline">
+            <a:extLst>
+              <a:ext uri="{FF2B5EF4-FFF2-40B4-BE49-F238E27FC236}">
+                <a16:creationId xmlns:a16="http://schemas.microsoft.com/office/drawing/2014/main" id="{66A67A19-81B9-930B-0133-A7B94CA883DF}"/>
+              </a:ext>
+            </a:extLst>
+          </p:cNvPr>
+          <p:cNvPicPr>
+            <a:picLocks noChangeAspect="1"/>
+          </p:cNvPicPr>
+          <p:nvPr/>
+        </p:nvPicPr>
+        <p:blipFill>
+          <a:blip r:embed="rId2">
+            <a:extLst>
+              <a:ext uri="{28A0092B-C50C-407E-A947-70E740481C1C}">
+                <a14:useLocalDpi xmlns:a14="http://schemas.microsoft.com/office/drawing/2010/main" val="0"/>
+              </a:ext>
+              <a:ext uri="{96DAC541-7B7A-43D3-8B79-37D633B846F1}">
+                <asvg:svgBlip xmlns:asvg="http://schemas.microsoft.com/office/drawing/2016/SVG/main" r:embed="rId3"/>
+              </a:ext>
+            </a:extLst>
+          </a:blip>
+          <a:stretch>
+            <a:fillRect/>
+          </a:stretch>
+        </p:blipFill>
+        <p:spPr>
+          <a:xfrm rot="20710149">
+            <a:off x="7893005" y="3952308"/>
+            <a:ext cx="567405" cy="664231"/>
+          </a:xfrm>
+          <a:prstGeom prst="rect">
+            <a:avLst/>
+          </a:prstGeom>
+        </p:spPr>
+      </p:pic>
+      <p:pic>
+        <p:nvPicPr>
+          <p:cNvPr id="25" name="Graphic 24" descr="Document outline">
+            <a:extLst>
+              <a:ext uri="{FF2B5EF4-FFF2-40B4-BE49-F238E27FC236}">
+                <a16:creationId xmlns:a16="http://schemas.microsoft.com/office/drawing/2014/main" id="{515DD82D-64F2-303F-DFF1-22FD3A1E5399}"/>
+              </a:ext>
+            </a:extLst>
+          </p:cNvPr>
+          <p:cNvPicPr>
+            <a:picLocks noChangeAspect="1"/>
+          </p:cNvPicPr>
+          <p:nvPr/>
+        </p:nvPicPr>
+        <p:blipFill>
+          <a:blip r:embed="rId2">
+            <a:extLst>
+              <a:ext uri="{28A0092B-C50C-407E-A947-70E740481C1C}">
+                <a14:useLocalDpi xmlns:a14="http://schemas.microsoft.com/office/drawing/2010/main" val="0"/>
+              </a:ext>
+              <a:ext uri="{96DAC541-7B7A-43D3-8B79-37D633B846F1}">
+                <asvg:svgBlip xmlns:asvg="http://schemas.microsoft.com/office/drawing/2016/SVG/main" r:embed="rId3"/>
+              </a:ext>
+            </a:extLst>
+          </a:blip>
+          <a:stretch>
+            <a:fillRect/>
+          </a:stretch>
+        </p:blipFill>
+        <p:spPr>
+          <a:xfrm rot="20710149">
+            <a:off x="8433780" y="3952307"/>
+            <a:ext cx="567405" cy="664231"/>
+          </a:xfrm>
+          <a:prstGeom prst="rect">
+            <a:avLst/>
+          </a:prstGeom>
+        </p:spPr>
+      </p:pic>
+      <p:cxnSp>
+        <p:nvCxnSpPr>
+          <p:cNvPr id="26" name="Straight Connector 25">
+            <a:extLst>
+              <a:ext uri="{FF2B5EF4-FFF2-40B4-BE49-F238E27FC236}">
+                <a16:creationId xmlns:a16="http://schemas.microsoft.com/office/drawing/2014/main" id="{30EE1624-C420-511A-9F24-5951554B7D7C}"/>
+              </a:ext>
+            </a:extLst>
+          </p:cNvPr>
+          <p:cNvCxnSpPr/>
+          <p:nvPr/>
+        </p:nvCxnSpPr>
+        <p:spPr>
+          <a:xfrm flipH="1">
+            <a:off x="7276670" y="3890752"/>
+            <a:ext cx="142206" cy="135069"/>
+          </a:xfrm>
+          <a:prstGeom prst="line">
+            <a:avLst/>
+          </a:prstGeom>
+          <a:ln w="22225">
+            <a:solidFill>
+              <a:schemeClr val="tx1"/>
+            </a:solidFill>
+          </a:ln>
+        </p:spPr>
+        <p:style>
+          <a:lnRef idx="1">
+            <a:schemeClr val="accent1"/>
+          </a:lnRef>
+          <a:fillRef idx="0">
+            <a:schemeClr val="accent1"/>
+          </a:fillRef>
+          <a:effectRef idx="0">
+            <a:schemeClr val="accent1"/>
+          </a:effectRef>
+          <a:fontRef idx="minor">
+            <a:schemeClr val="tx1"/>
+          </a:fontRef>
+        </p:style>
+      </p:cxnSp>
+      <p:cxnSp>
+        <p:nvCxnSpPr>
+          <p:cNvPr id="27" name="Straight Connector 26">
+            <a:extLst>
+              <a:ext uri="{FF2B5EF4-FFF2-40B4-BE49-F238E27FC236}">
+                <a16:creationId xmlns:a16="http://schemas.microsoft.com/office/drawing/2014/main" id="{224A8B13-C800-6C89-C461-85B1E8063C1A}"/>
+              </a:ext>
+            </a:extLst>
+          </p:cNvPr>
+          <p:cNvCxnSpPr>
+            <a:cxnSpLocks/>
+          </p:cNvCxnSpPr>
+          <p:nvPr/>
+        </p:nvCxnSpPr>
+        <p:spPr>
+          <a:xfrm flipH="1">
+            <a:off x="7618160" y="3827981"/>
+            <a:ext cx="88825" cy="152861"/>
+          </a:xfrm>
+          <a:prstGeom prst="line">
+            <a:avLst/>
+          </a:prstGeom>
+          <a:ln w="22225">
+            <a:solidFill>
+              <a:schemeClr val="tx1"/>
+            </a:solidFill>
+          </a:ln>
+        </p:spPr>
+        <p:style>
+          <a:lnRef idx="1">
+            <a:schemeClr val="accent1"/>
+          </a:lnRef>
+          <a:fillRef idx="0">
+            <a:schemeClr val="accent1"/>
+          </a:fillRef>
+          <a:effectRef idx="0">
+            <a:schemeClr val="accent1"/>
+          </a:effectRef>
+          <a:fontRef idx="minor">
+            <a:schemeClr val="tx1"/>
+          </a:fontRef>
+        </p:style>
+      </p:cxnSp>
+      <p:cxnSp>
+        <p:nvCxnSpPr>
+          <p:cNvPr id="28" name="Straight Connector 27">
+            <a:extLst>
+              <a:ext uri="{FF2B5EF4-FFF2-40B4-BE49-F238E27FC236}">
+                <a16:creationId xmlns:a16="http://schemas.microsoft.com/office/drawing/2014/main" id="{EF5696CF-A40F-ADCF-CD93-EBD156F01A51}"/>
+              </a:ext>
+            </a:extLst>
+          </p:cNvPr>
+          <p:cNvCxnSpPr>
+            <a:cxnSpLocks/>
+            <a:endCxn id="24" idx="0"/>
+          </p:cNvCxnSpPr>
+          <p:nvPr/>
+        </p:nvCxnSpPr>
+        <p:spPr>
+          <a:xfrm>
+            <a:off x="8032602" y="3769211"/>
+            <a:ext cx="59096" cy="194161"/>
+          </a:xfrm>
+          <a:prstGeom prst="line">
+            <a:avLst/>
+          </a:prstGeom>
+          <a:ln w="22225">
+            <a:solidFill>
+              <a:schemeClr val="tx1"/>
+            </a:solidFill>
+          </a:ln>
+        </p:spPr>
+        <p:style>
+          <a:lnRef idx="1">
+            <a:schemeClr val="accent1"/>
+          </a:lnRef>
+          <a:fillRef idx="0">
+            <a:schemeClr val="accent1"/>
+          </a:fillRef>
+          <a:effectRef idx="0">
+            <a:schemeClr val="accent1"/>
+          </a:effectRef>
+          <a:fontRef idx="minor">
+            <a:schemeClr val="tx1"/>
+          </a:fontRef>
+        </p:style>
+      </p:cxnSp>
+      <p:cxnSp>
+        <p:nvCxnSpPr>
+          <p:cNvPr id="29" name="Straight Connector 28">
+            <a:extLst>
+              <a:ext uri="{FF2B5EF4-FFF2-40B4-BE49-F238E27FC236}">
+                <a16:creationId xmlns:a16="http://schemas.microsoft.com/office/drawing/2014/main" id="{72BE3773-7593-12AB-A12A-41437467B591}"/>
+              </a:ext>
+            </a:extLst>
+          </p:cNvPr>
+          <p:cNvCxnSpPr>
+            <a:cxnSpLocks/>
+          </p:cNvCxnSpPr>
+          <p:nvPr/>
+        </p:nvCxnSpPr>
+        <p:spPr>
+          <a:xfrm>
+            <a:off x="8316922" y="3706118"/>
+            <a:ext cx="173345" cy="222623"/>
+          </a:xfrm>
+          <a:prstGeom prst="line">
+            <a:avLst/>
+          </a:prstGeom>
+          <a:ln w="22225">
+            <a:solidFill>
+              <a:schemeClr val="tx1"/>
+            </a:solidFill>
+          </a:ln>
+        </p:spPr>
+        <p:style>
+          <a:lnRef idx="1">
+            <a:schemeClr val="accent1"/>
+          </a:lnRef>
+          <a:fillRef idx="0">
+            <a:schemeClr val="accent1"/>
+          </a:fillRef>
+          <a:effectRef idx="0">
+            <a:schemeClr val="accent1"/>
+          </a:effectRef>
+          <a:fontRef idx="minor">
+            <a:schemeClr val="tx1"/>
+          </a:fontRef>
+        </p:style>
+      </p:cxnSp>
+      <p:sp>
+        <p:nvSpPr>
+          <p:cNvPr id="34" name="TextBox 33">
+            <a:extLst>
+              <a:ext uri="{FF2B5EF4-FFF2-40B4-BE49-F238E27FC236}">
+                <a16:creationId xmlns:a16="http://schemas.microsoft.com/office/drawing/2014/main" id="{FAAFC8AF-3A25-A70F-1E79-B2EB7CD872D1}"/>
+              </a:ext>
+            </a:extLst>
+          </p:cNvPr>
+          <p:cNvSpPr txBox="1"/>
+          <p:nvPr/>
+        </p:nvSpPr>
+        <p:spPr>
+          <a:xfrm>
+            <a:off x="2752596" y="5406304"/>
+            <a:ext cx="2538195" cy="646331"/>
+          </a:xfrm>
+          <a:prstGeom prst="rect">
+            <a:avLst/>
+          </a:prstGeom>
+          <a:noFill/>
+        </p:spPr>
+        <p:txBody>
+          <a:bodyPr wrap="none" rtlCol="0">
+            <a:spAutoFit/>
+          </a:bodyPr>
+          <a:lstStyle/>
+          <a:p>
+            <a:r>
+              <a:rPr lang="en-US" dirty="0"/>
+              <a:t>A Repo (usually) contains</a:t>
+            </a:r>
+          </a:p>
+          <a:p>
+            <a:r>
+              <a:rPr lang="en-US" dirty="0"/>
+              <a:t>multiple artifacts (files)</a:t>
+            </a:r>
+          </a:p>
+        </p:txBody>
+      </p:sp>
+      <p:sp>
+        <p:nvSpPr>
+          <p:cNvPr id="42" name="TextBox 41">
+            <a:extLst>
+              <a:ext uri="{FF2B5EF4-FFF2-40B4-BE49-F238E27FC236}">
+                <a16:creationId xmlns:a16="http://schemas.microsoft.com/office/drawing/2014/main" id="{A2FBE538-8D32-E2DA-D596-F96E6D7914BB}"/>
+              </a:ext>
+            </a:extLst>
+          </p:cNvPr>
+          <p:cNvSpPr txBox="1"/>
+          <p:nvPr/>
+        </p:nvSpPr>
+        <p:spPr>
+          <a:xfrm>
+            <a:off x="6953728" y="5398015"/>
+            <a:ext cx="2455352" cy="646331"/>
+          </a:xfrm>
+          <a:prstGeom prst="rect">
+            <a:avLst/>
+          </a:prstGeom>
+          <a:noFill/>
+        </p:spPr>
+        <p:txBody>
+          <a:bodyPr wrap="none" rtlCol="0">
+            <a:spAutoFit/>
+          </a:bodyPr>
+          <a:lstStyle/>
+          <a:p>
+            <a:r>
+              <a:rPr lang="en-US" dirty="0"/>
+              <a:t>And a Repo may contain</a:t>
+            </a:r>
+          </a:p>
+          <a:p>
+            <a:r>
+              <a:rPr lang="en-US" dirty="0"/>
+              <a:t>multiple branches</a:t>
+            </a:r>
+          </a:p>
+        </p:txBody>
+      </p:sp>
     </p:spTree>
     <p:extLst>
       <p:ext uri="{BB962C8B-B14F-4D97-AF65-F5344CB8AC3E}">
-        <p14:creationId xmlns:p14="http://schemas.microsoft.com/office/powerpoint/2010/main" val="2937449338"/>
+        <p14:creationId xmlns:p14="http://schemas.microsoft.com/office/powerpoint/2010/main" val="3644028078"/>
       </p:ext>
     </p:extLst>
   </p:cSld>
@@ -5082,66 +5213,12 @@
           <a:chExt cx="0" cy="0"/>
         </a:xfrm>
       </p:grpSpPr>
-      <p:sp>
-        <p:nvSpPr>
-          <p:cNvPr id="6" name="Rectangle 5">
-            <a:extLst>
-              <a:ext uri="{FF2B5EF4-FFF2-40B4-BE49-F238E27FC236}">
-                <a16:creationId xmlns:a16="http://schemas.microsoft.com/office/drawing/2014/main" id="{2F6B42F9-E7FE-38FB-B104-EC5455A1B1C1}"/>
-              </a:ext>
-            </a:extLst>
-          </p:cNvPr>
-          <p:cNvSpPr/>
-          <p:nvPr/>
-        </p:nvSpPr>
-        <p:spPr>
-          <a:xfrm>
-            <a:off x="3568700" y="270672"/>
-            <a:ext cx="5271192" cy="6587328"/>
-          </a:xfrm>
-          <a:prstGeom prst="rect">
-            <a:avLst/>
-          </a:prstGeom>
-          <a:solidFill>
-            <a:schemeClr val="bg1"/>
-          </a:solidFill>
-          <a:ln w="22225">
-            <a:solidFill>
-              <a:schemeClr val="tx1"/>
-            </a:solidFill>
-          </a:ln>
-        </p:spPr>
-        <p:style>
-          <a:lnRef idx="2">
-            <a:schemeClr val="accent1">
-              <a:shade val="50000"/>
-            </a:schemeClr>
-          </a:lnRef>
-          <a:fillRef idx="1">
-            <a:schemeClr val="accent1"/>
-          </a:fillRef>
-          <a:effectRef idx="0">
-            <a:schemeClr val="accent1"/>
-          </a:effectRef>
-          <a:fontRef idx="minor">
-            <a:schemeClr val="lt1"/>
-          </a:fontRef>
-        </p:style>
-        <p:txBody>
-          <a:bodyPr rtlCol="0" anchor="ctr"/>
-          <a:lstStyle/>
-          <a:p>
-            <a:pPr algn="ctr"/>
-            <a:endParaRPr lang="en-US"/>
-          </a:p>
-        </p:txBody>
-      </p:sp>
       <p:pic>
         <p:nvPicPr>
           <p:cNvPr id="5" name="Picture 4">
             <a:extLst>
               <a:ext uri="{FF2B5EF4-FFF2-40B4-BE49-F238E27FC236}">
-                <a16:creationId xmlns:a16="http://schemas.microsoft.com/office/drawing/2014/main" id="{43B999A3-F582-423A-4773-4F437E99788F}"/>
+                <a16:creationId xmlns:a16="http://schemas.microsoft.com/office/drawing/2014/main" id="{CEA9A0B5-CDA4-AACE-C4EC-814C146EA676}"/>
               </a:ext>
             </a:extLst>
           </p:cNvPr>
@@ -5158,8 +5235,8 @@
         </p:blipFill>
         <p:spPr>
           <a:xfrm>
-            <a:off x="3568700" y="270672"/>
-            <a:ext cx="5271192" cy="6587328"/>
+            <a:off x="1422400" y="372985"/>
+            <a:ext cx="8900363" cy="6112029"/>
           </a:xfrm>
           <a:prstGeom prst="rect">
             <a:avLst/>
@@ -5169,7 +5246,7 @@
     </p:spTree>
     <p:extLst>
       <p:ext uri="{BB962C8B-B14F-4D97-AF65-F5344CB8AC3E}">
-        <p14:creationId xmlns:p14="http://schemas.microsoft.com/office/powerpoint/2010/main" val="1298140891"/>
+        <p14:creationId xmlns:p14="http://schemas.microsoft.com/office/powerpoint/2010/main" val="2937449338"/>
       </p:ext>
     </p:extLst>
   </p:cSld>
@@ -5196,12 +5273,66 @@
           <a:chExt cx="0" cy="0"/>
         </a:xfrm>
       </p:grpSpPr>
+      <p:sp>
+        <p:nvSpPr>
+          <p:cNvPr id="6" name="Rectangle 5">
+            <a:extLst>
+              <a:ext uri="{FF2B5EF4-FFF2-40B4-BE49-F238E27FC236}">
+                <a16:creationId xmlns:a16="http://schemas.microsoft.com/office/drawing/2014/main" id="{2F6B42F9-E7FE-38FB-B104-EC5455A1B1C1}"/>
+              </a:ext>
+            </a:extLst>
+          </p:cNvPr>
+          <p:cNvSpPr/>
+          <p:nvPr/>
+        </p:nvSpPr>
+        <p:spPr>
+          <a:xfrm>
+            <a:off x="3568700" y="270672"/>
+            <a:ext cx="5271192" cy="6587328"/>
+          </a:xfrm>
+          <a:prstGeom prst="rect">
+            <a:avLst/>
+          </a:prstGeom>
+          <a:solidFill>
+            <a:schemeClr val="bg1"/>
+          </a:solidFill>
+          <a:ln w="22225">
+            <a:solidFill>
+              <a:schemeClr val="tx1"/>
+            </a:solidFill>
+          </a:ln>
+        </p:spPr>
+        <p:style>
+          <a:lnRef idx="2">
+            <a:schemeClr val="accent1">
+              <a:shade val="50000"/>
+            </a:schemeClr>
+          </a:lnRef>
+          <a:fillRef idx="1">
+            <a:schemeClr val="accent1"/>
+          </a:fillRef>
+          <a:effectRef idx="0">
+            <a:schemeClr val="accent1"/>
+          </a:effectRef>
+          <a:fontRef idx="minor">
+            <a:schemeClr val="lt1"/>
+          </a:fontRef>
+        </p:style>
+        <p:txBody>
+          <a:bodyPr rtlCol="0" anchor="ctr"/>
+          <a:lstStyle/>
+          <a:p>
+            <a:pPr algn="ctr"/>
+            <a:endParaRPr lang="en-US"/>
+          </a:p>
+        </p:txBody>
+      </p:sp>
       <p:pic>
         <p:nvPicPr>
           <p:cNvPr id="5" name="Picture 4">
             <a:extLst>
               <a:ext uri="{FF2B5EF4-FFF2-40B4-BE49-F238E27FC236}">
-                <a16:creationId xmlns:a16="http://schemas.microsoft.com/office/drawing/2014/main" id="{45CA0614-7BA9-3B5D-F67B-F122B18D9CE0}"/>
+                <a16:creationId xmlns:a16="http://schemas.microsoft.com/office/drawing/2014/main" id="{43B999A3-F582-423A-4773-4F437E99788F}"/>
               </a:ext>
             </a:extLst>
           </p:cNvPr>
@@ -5218,8 +5349,8 @@
         </p:blipFill>
         <p:spPr>
           <a:xfrm>
-            <a:off x="1027607" y="468055"/>
-            <a:ext cx="10136786" cy="5921889"/>
+            <a:off x="3568700" y="270672"/>
+            <a:ext cx="5271192" cy="6587328"/>
           </a:xfrm>
           <a:prstGeom prst="rect">
             <a:avLst/>
@@ -5229,7 +5360,7 @@
     </p:spTree>
     <p:extLst>
       <p:ext uri="{BB962C8B-B14F-4D97-AF65-F5344CB8AC3E}">
-        <p14:creationId xmlns:p14="http://schemas.microsoft.com/office/powerpoint/2010/main" val="1317245916"/>
+        <p14:creationId xmlns:p14="http://schemas.microsoft.com/office/powerpoint/2010/main" val="1298140891"/>
       </p:ext>
     </p:extLst>
   </p:cSld>
@@ -5261,7 +5392,7 @@
           <p:cNvPr id="5" name="Picture 4">
             <a:extLst>
               <a:ext uri="{FF2B5EF4-FFF2-40B4-BE49-F238E27FC236}">
-                <a16:creationId xmlns:a16="http://schemas.microsoft.com/office/drawing/2014/main" id="{85979ECF-415F-0D1A-0774-9C9B629EA939}"/>
+                <a16:creationId xmlns:a16="http://schemas.microsoft.com/office/drawing/2014/main" id="{45CA0614-7BA9-3B5D-F67B-F122B18D9CE0}"/>
               </a:ext>
             </a:extLst>
           </p:cNvPr>
@@ -5278,8 +5409,8 @@
         </p:blipFill>
         <p:spPr>
           <a:xfrm>
-            <a:off x="1759291" y="312737"/>
-            <a:ext cx="8673417" cy="6037263"/>
+            <a:off x="1027607" y="468055"/>
+            <a:ext cx="10136786" cy="5921889"/>
           </a:xfrm>
           <a:prstGeom prst="rect">
             <a:avLst/>
@@ -5289,7 +5420,7 @@
     </p:spTree>
     <p:extLst>
       <p:ext uri="{BB962C8B-B14F-4D97-AF65-F5344CB8AC3E}">
-        <p14:creationId xmlns:p14="http://schemas.microsoft.com/office/powerpoint/2010/main" val="1385113794"/>
+        <p14:creationId xmlns:p14="http://schemas.microsoft.com/office/powerpoint/2010/main" val="1317245916"/>
       </p:ext>
     </p:extLst>
   </p:cSld>
@@ -5321,7 +5452,7 @@
           <p:cNvPr id="5" name="Picture 4">
             <a:extLst>
               <a:ext uri="{FF2B5EF4-FFF2-40B4-BE49-F238E27FC236}">
-                <a16:creationId xmlns:a16="http://schemas.microsoft.com/office/drawing/2014/main" id="{ABC810A2-5318-0309-5069-F5D6E6EE7478}"/>
+                <a16:creationId xmlns:a16="http://schemas.microsoft.com/office/drawing/2014/main" id="{85979ECF-415F-0D1A-0774-9C9B629EA939}"/>
               </a:ext>
             </a:extLst>
           </p:cNvPr>
@@ -5338,6 +5469,66 @@
         </p:blipFill>
         <p:spPr>
           <a:xfrm>
+            <a:off x="1759291" y="312737"/>
+            <a:ext cx="8673417" cy="6037263"/>
+          </a:xfrm>
+          <a:prstGeom prst="rect">
+            <a:avLst/>
+          </a:prstGeom>
+        </p:spPr>
+      </p:pic>
+    </p:spTree>
+    <p:extLst>
+      <p:ext uri="{BB962C8B-B14F-4D97-AF65-F5344CB8AC3E}">
+        <p14:creationId xmlns:p14="http://schemas.microsoft.com/office/powerpoint/2010/main" val="1385113794"/>
+      </p:ext>
+    </p:extLst>
+  </p:cSld>
+  <p:clrMapOvr>
+    <a:masterClrMapping/>
+  </p:clrMapOvr>
+</p:sld>
+</file>
+
+<file path=ppt/slides/slide8.xml><?xml version="1.0" encoding="utf-8"?>
+<p:sld xmlns:a="http://schemas.openxmlformats.org/drawingml/2006/main" xmlns:r="http://schemas.openxmlformats.org/officeDocument/2006/relationships" xmlns:p="http://schemas.openxmlformats.org/presentationml/2006/main">
+  <p:cSld>
+    <p:spTree>
+      <p:nvGrpSpPr>
+        <p:cNvPr id="1" name=""/>
+        <p:cNvGrpSpPr/>
+        <p:nvPr/>
+      </p:nvGrpSpPr>
+      <p:grpSpPr>
+        <a:xfrm>
+          <a:off x="0" y="0"/>
+          <a:ext cx="0" cy="0"/>
+          <a:chOff x="0" y="0"/>
+          <a:chExt cx="0" cy="0"/>
+        </a:xfrm>
+      </p:grpSpPr>
+      <p:pic>
+        <p:nvPicPr>
+          <p:cNvPr id="5" name="Picture 4">
+            <a:extLst>
+              <a:ext uri="{FF2B5EF4-FFF2-40B4-BE49-F238E27FC236}">
+                <a16:creationId xmlns:a16="http://schemas.microsoft.com/office/drawing/2014/main" id="{ABC810A2-5318-0309-5069-F5D6E6EE7478}"/>
+              </a:ext>
+            </a:extLst>
+          </p:cNvPr>
+          <p:cNvPicPr>
+            <a:picLocks noChangeAspect="1"/>
+          </p:cNvPicPr>
+          <p:nvPr/>
+        </p:nvPicPr>
+        <p:blipFill>
+          <a:blip r:embed="rId2"/>
+          <a:stretch>
+            <a:fillRect/>
+          </a:stretch>
+        </p:blipFill>
+        <p:spPr>
+          <a:xfrm>
             <a:off x="1625601" y="0"/>
             <a:ext cx="8240712" cy="6658743"/>
           </a:xfrm>
@@ -5350,6 +5541,66 @@
     <p:extLst>
       <p:ext uri="{BB962C8B-B14F-4D97-AF65-F5344CB8AC3E}">
         <p14:creationId xmlns:p14="http://schemas.microsoft.com/office/powerpoint/2010/main" val="1654836957"/>
+      </p:ext>
+    </p:extLst>
+  </p:cSld>
+  <p:clrMapOvr>
+    <a:masterClrMapping/>
+  </p:clrMapOvr>
+</p:sld>
+</file>
+
+<file path=ppt/slides/slide9.xml><?xml version="1.0" encoding="utf-8"?>
+<p:sld xmlns:a="http://schemas.openxmlformats.org/drawingml/2006/main" xmlns:r="http://schemas.openxmlformats.org/officeDocument/2006/relationships" xmlns:p="http://schemas.openxmlformats.org/presentationml/2006/main">
+  <p:cSld>
+    <p:spTree>
+      <p:nvGrpSpPr>
+        <p:cNvPr id="1" name=""/>
+        <p:cNvGrpSpPr/>
+        <p:nvPr/>
+      </p:nvGrpSpPr>
+      <p:grpSpPr>
+        <a:xfrm>
+          <a:off x="0" y="0"/>
+          <a:ext cx="0" cy="0"/>
+          <a:chOff x="0" y="0"/>
+          <a:chExt cx="0" cy="0"/>
+        </a:xfrm>
+      </p:grpSpPr>
+      <p:pic>
+        <p:nvPicPr>
+          <p:cNvPr id="5" name="Picture 4">
+            <a:extLst>
+              <a:ext uri="{FF2B5EF4-FFF2-40B4-BE49-F238E27FC236}">
+                <a16:creationId xmlns:a16="http://schemas.microsoft.com/office/drawing/2014/main" id="{078F99E5-2C5D-EE6D-65E9-BA43916DCB02}"/>
+              </a:ext>
+            </a:extLst>
+          </p:cNvPr>
+          <p:cNvPicPr>
+            <a:picLocks noChangeAspect="1"/>
+          </p:cNvPicPr>
+          <p:nvPr/>
+        </p:nvPicPr>
+        <p:blipFill>
+          <a:blip r:embed="rId2"/>
+          <a:stretch>
+            <a:fillRect/>
+          </a:stretch>
+        </p:blipFill>
+        <p:spPr>
+          <a:xfrm>
+            <a:off x="2886075" y="1066800"/>
+            <a:ext cx="6419850" cy="4724400"/>
+          </a:xfrm>
+          <a:prstGeom prst="rect">
+            <a:avLst/>
+          </a:prstGeom>
+        </p:spPr>
+      </p:pic>
+    </p:spTree>
+    <p:extLst>
+      <p:ext uri="{BB962C8B-B14F-4D97-AF65-F5344CB8AC3E}">
+        <p14:creationId xmlns:p14="http://schemas.microsoft.com/office/powerpoint/2010/main" val="4235141453"/>
       </p:ext>
     </p:extLst>
   </p:cSld>

--- a/gitiotbook/misc/diagrams.pptx
+++ b/gitiotbook/misc/diagrams.pptx
@@ -15,6 +15,15 @@
     <p:sldId id="262" r:id="rId9"/>
     <p:sldId id="264" r:id="rId10"/>
     <p:sldId id="265" r:id="rId11"/>
+    <p:sldId id="266" r:id="rId12"/>
+    <p:sldId id="268" r:id="rId13"/>
+    <p:sldId id="269" r:id="rId14"/>
+    <p:sldId id="267" r:id="rId15"/>
+    <p:sldId id="270" r:id="rId16"/>
+    <p:sldId id="271" r:id="rId17"/>
+    <p:sldId id="272" r:id="rId18"/>
+    <p:sldId id="273" r:id="rId19"/>
+    <p:sldId id="274" r:id="rId20"/>
   </p:sldIdLst>
   <p:sldSz cx="12192000" cy="6858000"/>
   <p:notesSz cx="6858000" cy="8891588"/>
@@ -268,7 +277,7 @@
           <a:p>
             <a:fld id="{5DB48207-2388-4431-A5DE-D539F1AB7952}" type="datetimeFigureOut">
               <a:rPr lang="en-US" smtClean="0"/>
-              <a:t>4/1/2023</a:t>
+              <a:t>4/9/2023</a:t>
             </a:fld>
             <a:endParaRPr lang="en-US"/>
           </a:p>
@@ -466,7 +475,7 @@
           <a:p>
             <a:fld id="{5DB48207-2388-4431-A5DE-D539F1AB7952}" type="datetimeFigureOut">
               <a:rPr lang="en-US" smtClean="0"/>
-              <a:t>4/1/2023</a:t>
+              <a:t>4/9/2023</a:t>
             </a:fld>
             <a:endParaRPr lang="en-US"/>
           </a:p>
@@ -674,7 +683,7 @@
           <a:p>
             <a:fld id="{5DB48207-2388-4431-A5DE-D539F1AB7952}" type="datetimeFigureOut">
               <a:rPr lang="en-US" smtClean="0"/>
-              <a:t>4/1/2023</a:t>
+              <a:t>4/9/2023</a:t>
             </a:fld>
             <a:endParaRPr lang="en-US"/>
           </a:p>
@@ -872,7 +881,7 @@
           <a:p>
             <a:fld id="{5DB48207-2388-4431-A5DE-D539F1AB7952}" type="datetimeFigureOut">
               <a:rPr lang="en-US" smtClean="0"/>
-              <a:t>4/1/2023</a:t>
+              <a:t>4/9/2023</a:t>
             </a:fld>
             <a:endParaRPr lang="en-US"/>
           </a:p>
@@ -1147,7 +1156,7 @@
           <a:p>
             <a:fld id="{5DB48207-2388-4431-A5DE-D539F1AB7952}" type="datetimeFigureOut">
               <a:rPr lang="en-US" smtClean="0"/>
-              <a:t>4/1/2023</a:t>
+              <a:t>4/9/2023</a:t>
             </a:fld>
             <a:endParaRPr lang="en-US"/>
           </a:p>
@@ -1412,7 +1421,7 @@
           <a:p>
             <a:fld id="{5DB48207-2388-4431-A5DE-D539F1AB7952}" type="datetimeFigureOut">
               <a:rPr lang="en-US" smtClean="0"/>
-              <a:t>4/1/2023</a:t>
+              <a:t>4/9/2023</a:t>
             </a:fld>
             <a:endParaRPr lang="en-US"/>
           </a:p>
@@ -1824,7 +1833,7 @@
           <a:p>
             <a:fld id="{5DB48207-2388-4431-A5DE-D539F1AB7952}" type="datetimeFigureOut">
               <a:rPr lang="en-US" smtClean="0"/>
-              <a:t>4/1/2023</a:t>
+              <a:t>4/9/2023</a:t>
             </a:fld>
             <a:endParaRPr lang="en-US"/>
           </a:p>
@@ -1965,7 +1974,7 @@
           <a:p>
             <a:fld id="{5DB48207-2388-4431-A5DE-D539F1AB7952}" type="datetimeFigureOut">
               <a:rPr lang="en-US" smtClean="0"/>
-              <a:t>4/1/2023</a:t>
+              <a:t>4/9/2023</a:t>
             </a:fld>
             <a:endParaRPr lang="en-US"/>
           </a:p>
@@ -2078,7 +2087,7 @@
           <a:p>
             <a:fld id="{5DB48207-2388-4431-A5DE-D539F1AB7952}" type="datetimeFigureOut">
               <a:rPr lang="en-US" smtClean="0"/>
-              <a:t>4/1/2023</a:t>
+              <a:t>4/9/2023</a:t>
             </a:fld>
             <a:endParaRPr lang="en-US"/>
           </a:p>
@@ -2389,7 +2398,7 @@
           <a:p>
             <a:fld id="{5DB48207-2388-4431-A5DE-D539F1AB7952}" type="datetimeFigureOut">
               <a:rPr lang="en-US" smtClean="0"/>
-              <a:t>4/1/2023</a:t>
+              <a:t>4/9/2023</a:t>
             </a:fld>
             <a:endParaRPr lang="en-US"/>
           </a:p>
@@ -2677,7 +2686,7 @@
           <a:p>
             <a:fld id="{5DB48207-2388-4431-A5DE-D539F1AB7952}" type="datetimeFigureOut">
               <a:rPr lang="en-US" smtClean="0"/>
-              <a:t>4/1/2023</a:t>
+              <a:t>4/9/2023</a:t>
             </a:fld>
             <a:endParaRPr lang="en-US"/>
           </a:p>
@@ -2918,7 +2927,7 @@
           <a:p>
             <a:fld id="{5DB48207-2388-4431-A5DE-D539F1AB7952}" type="datetimeFigureOut">
               <a:rPr lang="en-US" smtClean="0"/>
-              <a:t>4/1/2023</a:t>
+              <a:t>4/9/2023</a:t>
             </a:fld>
             <a:endParaRPr lang="en-US"/>
           </a:p>
@@ -3969,10 +3978,10 @@
       </p:grpSpPr>
       <p:pic>
         <p:nvPicPr>
-          <p:cNvPr id="5" name="Picture 4">
-            <a:extLst>
-              <a:ext uri="{FF2B5EF4-FFF2-40B4-BE49-F238E27FC236}">
-                <a16:creationId xmlns:a16="http://schemas.microsoft.com/office/drawing/2014/main" id="{A4D3BF78-B7D4-0851-A411-310D763264DD}"/>
+          <p:cNvPr id="7" name="Picture 6">
+            <a:extLst>
+              <a:ext uri="{FF2B5EF4-FFF2-40B4-BE49-F238E27FC236}">
+                <a16:creationId xmlns:a16="http://schemas.microsoft.com/office/drawing/2014/main" id="{C5C1B22D-0662-756E-560B-564AD0CBD902}"/>
               </a:ext>
             </a:extLst>
           </p:cNvPr>
@@ -3989,8 +3998,8 @@
         </p:blipFill>
         <p:spPr>
           <a:xfrm>
-            <a:off x="3038475" y="2114550"/>
-            <a:ext cx="6115050" cy="2628900"/>
+            <a:off x="3195637" y="2090737"/>
+            <a:ext cx="5800725" cy="2676525"/>
           </a:xfrm>
           <a:prstGeom prst="rect">
             <a:avLst/>
@@ -4001,6 +4010,546 @@
     <p:extLst>
       <p:ext uri="{BB962C8B-B14F-4D97-AF65-F5344CB8AC3E}">
         <p14:creationId xmlns:p14="http://schemas.microsoft.com/office/powerpoint/2010/main" val="262346647"/>
+      </p:ext>
+    </p:extLst>
+  </p:cSld>
+  <p:clrMapOvr>
+    <a:masterClrMapping/>
+  </p:clrMapOvr>
+</p:sld>
+</file>
+
+<file path=ppt/slides/slide11.xml><?xml version="1.0" encoding="utf-8"?>
+<p:sld xmlns:a="http://schemas.openxmlformats.org/drawingml/2006/main" xmlns:r="http://schemas.openxmlformats.org/officeDocument/2006/relationships" xmlns:p="http://schemas.openxmlformats.org/presentationml/2006/main">
+  <p:cSld>
+    <p:spTree>
+      <p:nvGrpSpPr>
+        <p:cNvPr id="1" name=""/>
+        <p:cNvGrpSpPr/>
+        <p:nvPr/>
+      </p:nvGrpSpPr>
+      <p:grpSpPr>
+        <a:xfrm>
+          <a:off x="0" y="0"/>
+          <a:ext cx="0" cy="0"/>
+          <a:chOff x="0" y="0"/>
+          <a:chExt cx="0" cy="0"/>
+        </a:xfrm>
+      </p:grpSpPr>
+      <p:pic>
+        <p:nvPicPr>
+          <p:cNvPr id="5" name="Picture 4">
+            <a:extLst>
+              <a:ext uri="{FF2B5EF4-FFF2-40B4-BE49-F238E27FC236}">
+                <a16:creationId xmlns:a16="http://schemas.microsoft.com/office/drawing/2014/main" id="{5CF9FD74-8FDA-7540-D4AA-ABD8B65357D4}"/>
+              </a:ext>
+            </a:extLst>
+          </p:cNvPr>
+          <p:cNvPicPr>
+            <a:picLocks noChangeAspect="1"/>
+          </p:cNvPicPr>
+          <p:nvPr/>
+        </p:nvPicPr>
+        <p:blipFill>
+          <a:blip r:embed="rId2"/>
+          <a:stretch>
+            <a:fillRect/>
+          </a:stretch>
+        </p:blipFill>
+        <p:spPr>
+          <a:xfrm>
+            <a:off x="2914650" y="957262"/>
+            <a:ext cx="6362700" cy="4943475"/>
+          </a:xfrm>
+          <a:prstGeom prst="rect">
+            <a:avLst/>
+          </a:prstGeom>
+        </p:spPr>
+      </p:pic>
+    </p:spTree>
+    <p:extLst>
+      <p:ext uri="{BB962C8B-B14F-4D97-AF65-F5344CB8AC3E}">
+        <p14:creationId xmlns:p14="http://schemas.microsoft.com/office/powerpoint/2010/main" val="593396399"/>
+      </p:ext>
+    </p:extLst>
+  </p:cSld>
+  <p:clrMapOvr>
+    <a:masterClrMapping/>
+  </p:clrMapOvr>
+</p:sld>
+</file>
+
+<file path=ppt/slides/slide12.xml><?xml version="1.0" encoding="utf-8"?>
+<p:sld xmlns:a="http://schemas.openxmlformats.org/drawingml/2006/main" xmlns:r="http://schemas.openxmlformats.org/officeDocument/2006/relationships" xmlns:p="http://schemas.openxmlformats.org/presentationml/2006/main">
+  <p:cSld>
+    <p:spTree>
+      <p:nvGrpSpPr>
+        <p:cNvPr id="1" name=""/>
+        <p:cNvGrpSpPr/>
+        <p:nvPr/>
+      </p:nvGrpSpPr>
+      <p:grpSpPr>
+        <a:xfrm>
+          <a:off x="0" y="0"/>
+          <a:ext cx="0" cy="0"/>
+          <a:chOff x="0" y="0"/>
+          <a:chExt cx="0" cy="0"/>
+        </a:xfrm>
+      </p:grpSpPr>
+      <p:pic>
+        <p:nvPicPr>
+          <p:cNvPr id="5" name="Picture 4">
+            <a:extLst>
+              <a:ext uri="{FF2B5EF4-FFF2-40B4-BE49-F238E27FC236}">
+                <a16:creationId xmlns:a16="http://schemas.microsoft.com/office/drawing/2014/main" id="{0F159522-D9EC-AEC0-E5FE-09A47D5BF9B7}"/>
+              </a:ext>
+            </a:extLst>
+          </p:cNvPr>
+          <p:cNvPicPr>
+            <a:picLocks noChangeAspect="1"/>
+          </p:cNvPicPr>
+          <p:nvPr/>
+        </p:nvPicPr>
+        <p:blipFill>
+          <a:blip r:embed="rId2"/>
+          <a:stretch>
+            <a:fillRect/>
+          </a:stretch>
+        </p:blipFill>
+        <p:spPr>
+          <a:xfrm>
+            <a:off x="2976562" y="1252537"/>
+            <a:ext cx="6238875" cy="4352925"/>
+          </a:xfrm>
+          <a:prstGeom prst="rect">
+            <a:avLst/>
+          </a:prstGeom>
+        </p:spPr>
+      </p:pic>
+    </p:spTree>
+    <p:extLst>
+      <p:ext uri="{BB962C8B-B14F-4D97-AF65-F5344CB8AC3E}">
+        <p14:creationId xmlns:p14="http://schemas.microsoft.com/office/powerpoint/2010/main" val="2204975437"/>
+      </p:ext>
+    </p:extLst>
+  </p:cSld>
+  <p:clrMapOvr>
+    <a:masterClrMapping/>
+  </p:clrMapOvr>
+</p:sld>
+</file>
+
+<file path=ppt/slides/slide13.xml><?xml version="1.0" encoding="utf-8"?>
+<p:sld xmlns:a="http://schemas.openxmlformats.org/drawingml/2006/main" xmlns:r="http://schemas.openxmlformats.org/officeDocument/2006/relationships" xmlns:p="http://schemas.openxmlformats.org/presentationml/2006/main">
+  <p:cSld>
+    <p:spTree>
+      <p:nvGrpSpPr>
+        <p:cNvPr id="1" name=""/>
+        <p:cNvGrpSpPr/>
+        <p:nvPr/>
+      </p:nvGrpSpPr>
+      <p:grpSpPr>
+        <a:xfrm>
+          <a:off x="0" y="0"/>
+          <a:ext cx="0" cy="0"/>
+          <a:chOff x="0" y="0"/>
+          <a:chExt cx="0" cy="0"/>
+        </a:xfrm>
+      </p:grpSpPr>
+      <p:pic>
+        <p:nvPicPr>
+          <p:cNvPr id="5" name="Picture 4">
+            <a:extLst>
+              <a:ext uri="{FF2B5EF4-FFF2-40B4-BE49-F238E27FC236}">
+                <a16:creationId xmlns:a16="http://schemas.microsoft.com/office/drawing/2014/main" id="{DD87E5D8-5A83-8683-B35D-72D83DF28A2A}"/>
+              </a:ext>
+            </a:extLst>
+          </p:cNvPr>
+          <p:cNvPicPr>
+            <a:picLocks noChangeAspect="1"/>
+          </p:cNvPicPr>
+          <p:nvPr/>
+        </p:nvPicPr>
+        <p:blipFill>
+          <a:blip r:embed="rId2"/>
+          <a:stretch>
+            <a:fillRect/>
+          </a:stretch>
+        </p:blipFill>
+        <p:spPr>
+          <a:xfrm>
+            <a:off x="2952750" y="1247775"/>
+            <a:ext cx="6286500" cy="4362450"/>
+          </a:xfrm>
+          <a:prstGeom prst="rect">
+            <a:avLst/>
+          </a:prstGeom>
+        </p:spPr>
+      </p:pic>
+    </p:spTree>
+    <p:extLst>
+      <p:ext uri="{BB962C8B-B14F-4D97-AF65-F5344CB8AC3E}">
+        <p14:creationId xmlns:p14="http://schemas.microsoft.com/office/powerpoint/2010/main" val="289041596"/>
+      </p:ext>
+    </p:extLst>
+  </p:cSld>
+  <p:clrMapOvr>
+    <a:masterClrMapping/>
+  </p:clrMapOvr>
+</p:sld>
+</file>
+
+<file path=ppt/slides/slide14.xml><?xml version="1.0" encoding="utf-8"?>
+<p:sld xmlns:a="http://schemas.openxmlformats.org/drawingml/2006/main" xmlns:r="http://schemas.openxmlformats.org/officeDocument/2006/relationships" xmlns:p="http://schemas.openxmlformats.org/presentationml/2006/main">
+  <p:cSld>
+    <p:spTree>
+      <p:nvGrpSpPr>
+        <p:cNvPr id="1" name=""/>
+        <p:cNvGrpSpPr/>
+        <p:nvPr/>
+      </p:nvGrpSpPr>
+      <p:grpSpPr>
+        <a:xfrm>
+          <a:off x="0" y="0"/>
+          <a:ext cx="0" cy="0"/>
+          <a:chOff x="0" y="0"/>
+          <a:chExt cx="0" cy="0"/>
+        </a:xfrm>
+      </p:grpSpPr>
+      <p:pic>
+        <p:nvPicPr>
+          <p:cNvPr id="9" name="Picture 8">
+            <a:extLst>
+              <a:ext uri="{FF2B5EF4-FFF2-40B4-BE49-F238E27FC236}">
+                <a16:creationId xmlns:a16="http://schemas.microsoft.com/office/drawing/2014/main" id="{14A76E73-CFC2-1D16-7105-C7FCF2D090F5}"/>
+              </a:ext>
+            </a:extLst>
+          </p:cNvPr>
+          <p:cNvPicPr>
+            <a:picLocks noChangeAspect="1"/>
+          </p:cNvPicPr>
+          <p:nvPr/>
+        </p:nvPicPr>
+        <p:blipFill>
+          <a:blip r:embed="rId2"/>
+          <a:stretch>
+            <a:fillRect/>
+          </a:stretch>
+        </p:blipFill>
+        <p:spPr>
+          <a:xfrm>
+            <a:off x="2956249" y="88900"/>
+            <a:ext cx="6279502" cy="6858000"/>
+          </a:xfrm>
+          <a:prstGeom prst="rect">
+            <a:avLst/>
+          </a:prstGeom>
+        </p:spPr>
+      </p:pic>
+    </p:spTree>
+    <p:extLst>
+      <p:ext uri="{BB962C8B-B14F-4D97-AF65-F5344CB8AC3E}">
+        <p14:creationId xmlns:p14="http://schemas.microsoft.com/office/powerpoint/2010/main" val="3516325616"/>
+      </p:ext>
+    </p:extLst>
+  </p:cSld>
+  <p:clrMapOvr>
+    <a:masterClrMapping/>
+  </p:clrMapOvr>
+</p:sld>
+</file>
+
+<file path=ppt/slides/slide15.xml><?xml version="1.0" encoding="utf-8"?>
+<p:sld xmlns:a="http://schemas.openxmlformats.org/drawingml/2006/main" xmlns:r="http://schemas.openxmlformats.org/officeDocument/2006/relationships" xmlns:p="http://schemas.openxmlformats.org/presentationml/2006/main">
+  <p:cSld>
+    <p:spTree>
+      <p:nvGrpSpPr>
+        <p:cNvPr id="1" name=""/>
+        <p:cNvGrpSpPr/>
+        <p:nvPr/>
+      </p:nvGrpSpPr>
+      <p:grpSpPr>
+        <a:xfrm>
+          <a:off x="0" y="0"/>
+          <a:ext cx="0" cy="0"/>
+          <a:chOff x="0" y="0"/>
+          <a:chExt cx="0" cy="0"/>
+        </a:xfrm>
+      </p:grpSpPr>
+      <p:pic>
+        <p:nvPicPr>
+          <p:cNvPr id="5" name="Picture 4">
+            <a:extLst>
+              <a:ext uri="{FF2B5EF4-FFF2-40B4-BE49-F238E27FC236}">
+                <a16:creationId xmlns:a16="http://schemas.microsoft.com/office/drawing/2014/main" id="{758164F2-CB65-99B8-D526-62708D02BE60}"/>
+              </a:ext>
+            </a:extLst>
+          </p:cNvPr>
+          <p:cNvPicPr>
+            <a:picLocks noChangeAspect="1"/>
+          </p:cNvPicPr>
+          <p:nvPr/>
+        </p:nvPicPr>
+        <p:blipFill>
+          <a:blip r:embed="rId2"/>
+          <a:stretch>
+            <a:fillRect/>
+          </a:stretch>
+        </p:blipFill>
+        <p:spPr>
+          <a:xfrm>
+            <a:off x="2952750" y="1181100"/>
+            <a:ext cx="6286500" cy="4495800"/>
+          </a:xfrm>
+          <a:prstGeom prst="rect">
+            <a:avLst/>
+          </a:prstGeom>
+        </p:spPr>
+      </p:pic>
+    </p:spTree>
+    <p:extLst>
+      <p:ext uri="{BB962C8B-B14F-4D97-AF65-F5344CB8AC3E}">
+        <p14:creationId xmlns:p14="http://schemas.microsoft.com/office/powerpoint/2010/main" val="2624496047"/>
+      </p:ext>
+    </p:extLst>
+  </p:cSld>
+  <p:clrMapOvr>
+    <a:masterClrMapping/>
+  </p:clrMapOvr>
+</p:sld>
+</file>
+
+<file path=ppt/slides/slide16.xml><?xml version="1.0" encoding="utf-8"?>
+<p:sld xmlns:a="http://schemas.openxmlformats.org/drawingml/2006/main" xmlns:r="http://schemas.openxmlformats.org/officeDocument/2006/relationships" xmlns:p="http://schemas.openxmlformats.org/presentationml/2006/main">
+  <p:cSld>
+    <p:spTree>
+      <p:nvGrpSpPr>
+        <p:cNvPr id="1" name=""/>
+        <p:cNvGrpSpPr/>
+        <p:nvPr/>
+      </p:nvGrpSpPr>
+      <p:grpSpPr>
+        <a:xfrm>
+          <a:off x="0" y="0"/>
+          <a:ext cx="0" cy="0"/>
+          <a:chOff x="0" y="0"/>
+          <a:chExt cx="0" cy="0"/>
+        </a:xfrm>
+      </p:grpSpPr>
+      <p:pic>
+        <p:nvPicPr>
+          <p:cNvPr id="3" name="Picture 2">
+            <a:extLst>
+              <a:ext uri="{FF2B5EF4-FFF2-40B4-BE49-F238E27FC236}">
+                <a16:creationId xmlns:a16="http://schemas.microsoft.com/office/drawing/2014/main" id="{4976349F-4174-AAAE-EC12-385C1B930AA6}"/>
+              </a:ext>
+            </a:extLst>
+          </p:cNvPr>
+          <p:cNvPicPr>
+            <a:picLocks noChangeAspect="1"/>
+          </p:cNvPicPr>
+          <p:nvPr/>
+        </p:nvPicPr>
+        <p:blipFill>
+          <a:blip r:embed="rId2"/>
+          <a:stretch>
+            <a:fillRect/>
+          </a:stretch>
+        </p:blipFill>
+        <p:spPr>
+          <a:xfrm>
+            <a:off x="2181225" y="847725"/>
+            <a:ext cx="7829550" cy="5162550"/>
+          </a:xfrm>
+          <a:prstGeom prst="rect">
+            <a:avLst/>
+          </a:prstGeom>
+        </p:spPr>
+      </p:pic>
+    </p:spTree>
+    <p:extLst>
+      <p:ext uri="{BB962C8B-B14F-4D97-AF65-F5344CB8AC3E}">
+        <p14:creationId xmlns:p14="http://schemas.microsoft.com/office/powerpoint/2010/main" val="3493277353"/>
+      </p:ext>
+    </p:extLst>
+  </p:cSld>
+  <p:clrMapOvr>
+    <a:masterClrMapping/>
+  </p:clrMapOvr>
+</p:sld>
+</file>
+
+<file path=ppt/slides/slide17.xml><?xml version="1.0" encoding="utf-8"?>
+<p:sld xmlns:a="http://schemas.openxmlformats.org/drawingml/2006/main" xmlns:r="http://schemas.openxmlformats.org/officeDocument/2006/relationships" xmlns:p="http://schemas.openxmlformats.org/presentationml/2006/main">
+  <p:cSld>
+    <p:spTree>
+      <p:nvGrpSpPr>
+        <p:cNvPr id="1" name=""/>
+        <p:cNvGrpSpPr/>
+        <p:nvPr/>
+      </p:nvGrpSpPr>
+      <p:grpSpPr>
+        <a:xfrm>
+          <a:off x="0" y="0"/>
+          <a:ext cx="0" cy="0"/>
+          <a:chOff x="0" y="0"/>
+          <a:chExt cx="0" cy="0"/>
+        </a:xfrm>
+      </p:grpSpPr>
+      <p:pic>
+        <p:nvPicPr>
+          <p:cNvPr id="3" name="Picture 2">
+            <a:extLst>
+              <a:ext uri="{FF2B5EF4-FFF2-40B4-BE49-F238E27FC236}">
+                <a16:creationId xmlns:a16="http://schemas.microsoft.com/office/drawing/2014/main" id="{6FC8CEA5-4859-7F5D-C9CB-9BD8269DA79F}"/>
+              </a:ext>
+            </a:extLst>
+          </p:cNvPr>
+          <p:cNvPicPr>
+            <a:picLocks noChangeAspect="1"/>
+          </p:cNvPicPr>
+          <p:nvPr/>
+        </p:nvPicPr>
+        <p:blipFill>
+          <a:blip r:embed="rId2"/>
+          <a:stretch>
+            <a:fillRect/>
+          </a:stretch>
+        </p:blipFill>
+        <p:spPr>
+          <a:xfrm>
+            <a:off x="2990850" y="1223962"/>
+            <a:ext cx="6210300" cy="4410075"/>
+          </a:xfrm>
+          <a:prstGeom prst="rect">
+            <a:avLst/>
+          </a:prstGeom>
+        </p:spPr>
+      </p:pic>
+    </p:spTree>
+    <p:extLst>
+      <p:ext uri="{BB962C8B-B14F-4D97-AF65-F5344CB8AC3E}">
+        <p14:creationId xmlns:p14="http://schemas.microsoft.com/office/powerpoint/2010/main" val="447353223"/>
+      </p:ext>
+    </p:extLst>
+  </p:cSld>
+  <p:clrMapOvr>
+    <a:masterClrMapping/>
+  </p:clrMapOvr>
+</p:sld>
+</file>
+
+<file path=ppt/slides/slide18.xml><?xml version="1.0" encoding="utf-8"?>
+<p:sld xmlns:a="http://schemas.openxmlformats.org/drawingml/2006/main" xmlns:r="http://schemas.openxmlformats.org/officeDocument/2006/relationships" xmlns:p="http://schemas.openxmlformats.org/presentationml/2006/main">
+  <p:cSld>
+    <p:spTree>
+      <p:nvGrpSpPr>
+        <p:cNvPr id="1" name=""/>
+        <p:cNvGrpSpPr/>
+        <p:nvPr/>
+      </p:nvGrpSpPr>
+      <p:grpSpPr>
+        <a:xfrm>
+          <a:off x="0" y="0"/>
+          <a:ext cx="0" cy="0"/>
+          <a:chOff x="0" y="0"/>
+          <a:chExt cx="0" cy="0"/>
+        </a:xfrm>
+      </p:grpSpPr>
+      <p:pic>
+        <p:nvPicPr>
+          <p:cNvPr id="3" name="Picture 2">
+            <a:extLst>
+              <a:ext uri="{FF2B5EF4-FFF2-40B4-BE49-F238E27FC236}">
+                <a16:creationId xmlns:a16="http://schemas.microsoft.com/office/drawing/2014/main" id="{6A175BF9-7B37-01D7-A9BE-8D46FE00927D}"/>
+              </a:ext>
+            </a:extLst>
+          </p:cNvPr>
+          <p:cNvPicPr>
+            <a:picLocks noChangeAspect="1"/>
+          </p:cNvPicPr>
+          <p:nvPr/>
+        </p:nvPicPr>
+        <p:blipFill>
+          <a:blip r:embed="rId2"/>
+          <a:stretch>
+            <a:fillRect/>
+          </a:stretch>
+        </p:blipFill>
+        <p:spPr>
+          <a:xfrm>
+            <a:off x="2976562" y="1204912"/>
+            <a:ext cx="6238875" cy="4448175"/>
+          </a:xfrm>
+          <a:prstGeom prst="rect">
+            <a:avLst/>
+          </a:prstGeom>
+        </p:spPr>
+      </p:pic>
+    </p:spTree>
+    <p:extLst>
+      <p:ext uri="{BB962C8B-B14F-4D97-AF65-F5344CB8AC3E}">
+        <p14:creationId xmlns:p14="http://schemas.microsoft.com/office/powerpoint/2010/main" val="340632952"/>
+      </p:ext>
+    </p:extLst>
+  </p:cSld>
+  <p:clrMapOvr>
+    <a:masterClrMapping/>
+  </p:clrMapOvr>
+</p:sld>
+</file>
+
+<file path=ppt/slides/slide19.xml><?xml version="1.0" encoding="utf-8"?>
+<p:sld xmlns:a="http://schemas.openxmlformats.org/drawingml/2006/main" xmlns:r="http://schemas.openxmlformats.org/officeDocument/2006/relationships" xmlns:p="http://schemas.openxmlformats.org/presentationml/2006/main">
+  <p:cSld>
+    <p:spTree>
+      <p:nvGrpSpPr>
+        <p:cNvPr id="1" name=""/>
+        <p:cNvGrpSpPr/>
+        <p:nvPr/>
+      </p:nvGrpSpPr>
+      <p:grpSpPr>
+        <a:xfrm>
+          <a:off x="0" y="0"/>
+          <a:ext cx="0" cy="0"/>
+          <a:chOff x="0" y="0"/>
+          <a:chExt cx="0" cy="0"/>
+        </a:xfrm>
+      </p:grpSpPr>
+      <p:pic>
+        <p:nvPicPr>
+          <p:cNvPr id="3" name="Picture 2">
+            <a:extLst>
+              <a:ext uri="{FF2B5EF4-FFF2-40B4-BE49-F238E27FC236}">
+                <a16:creationId xmlns:a16="http://schemas.microsoft.com/office/drawing/2014/main" id="{B69B057F-7869-A1B1-0705-ED2F7C758A82}"/>
+              </a:ext>
+            </a:extLst>
+          </p:cNvPr>
+          <p:cNvPicPr>
+            <a:picLocks noChangeAspect="1"/>
+          </p:cNvPicPr>
+          <p:nvPr/>
+        </p:nvPicPr>
+        <p:blipFill>
+          <a:blip r:embed="rId2"/>
+          <a:stretch>
+            <a:fillRect/>
+          </a:stretch>
+        </p:blipFill>
+        <p:spPr>
+          <a:xfrm>
+            <a:off x="2995612" y="1190625"/>
+            <a:ext cx="6200775" cy="4476750"/>
+          </a:xfrm>
+          <a:prstGeom prst="rect">
+            <a:avLst/>
+          </a:prstGeom>
+        </p:spPr>
+      </p:pic>
+    </p:spTree>
+    <p:extLst>
+      <p:ext uri="{BB962C8B-B14F-4D97-AF65-F5344CB8AC3E}">
+        <p14:creationId xmlns:p14="http://schemas.microsoft.com/office/powerpoint/2010/main" val="140320165"/>
       </p:ext>
     </p:extLst>
   </p:cSld>
